--- a/课件/第六节课/python基础标准6课.pptx
+++ b/课件/第六节课/python基础标准6课.pptx
@@ -212,7 +212,7 @@
           <a:p>
             <a:fld id="{8433A6C2-DE8C-7E42-BA65-3FA1EC1B3076}" type="datetimeFigureOut">
               <a:rPr kumimoji="1" lang="zh-CN" altLang="en-US" smtClean="0"/>
-              <a:t>2018/4/16</a:t>
+              <a:t>2018/5/9</a:t>
             </a:fld>
             <a:endParaRPr kumimoji="1" lang="zh-CN" altLang="en-US"/>
           </a:p>
@@ -372,7 +372,7 @@
           <a:p>
             <a:fld id="{407B7494-D075-4932-B485-21A15FEF2165}" type="datetimeFigureOut">
               <a:rPr lang="zh-CN" altLang="en-US" smtClean="0"/>
-              <a:t>2018/4/16</a:t>
+              <a:t>2018/5/9</a:t>
             </a:fld>
             <a:endParaRPr lang="zh-CN" altLang="en-US"/>
           </a:p>
@@ -969,7 +969,7 @@
           <a:p>
             <a:fld id="{1E333D41-EAB8-40B2-B281-A120D466E23B}" type="datetimeFigureOut">
               <a:rPr lang="zh-CN" altLang="en-US" smtClean="0"/>
-              <a:t>2018/4/16</a:t>
+              <a:t>2018/5/9</a:t>
             </a:fld>
             <a:endParaRPr lang="zh-CN" altLang="en-US"/>
           </a:p>
@@ -1216,7 +1216,7 @@
           <a:p>
             <a:fld id="{1E333D41-EAB8-40B2-B281-A120D466E23B}" type="datetimeFigureOut">
               <a:rPr lang="zh-CN" altLang="en-US" smtClean="0"/>
-              <a:t>2018/4/16</a:t>
+              <a:t>2018/5/9</a:t>
             </a:fld>
             <a:endParaRPr lang="zh-CN" altLang="en-US"/>
           </a:p>
@@ -1379,7 +1379,7 @@
           <a:p>
             <a:fld id="{1E333D41-EAB8-40B2-B281-A120D466E23B}" type="datetimeFigureOut">
               <a:rPr lang="zh-CN" altLang="en-US" smtClean="0"/>
-              <a:t>2018/4/16</a:t>
+              <a:t>2018/5/9</a:t>
             </a:fld>
             <a:endParaRPr lang="zh-CN" altLang="en-US"/>
           </a:p>
@@ -1552,7 +1552,7 @@
           <a:p>
             <a:fld id="{1E333D41-EAB8-40B2-B281-A120D466E23B}" type="datetimeFigureOut">
               <a:rPr lang="zh-CN" altLang="en-US" smtClean="0"/>
-              <a:t>2018/4/16</a:t>
+              <a:t>2018/5/9</a:t>
             </a:fld>
             <a:endParaRPr lang="zh-CN" altLang="en-US"/>
           </a:p>
@@ -1737,7 +1737,7 @@
           <a:p>
             <a:fld id="{67DC8ECF-C17C-9547-9729-DC0BA14056B1}" type="datetimeFigureOut">
               <a:rPr kumimoji="1" lang="zh-CN" altLang="en-US" smtClean="0"/>
-              <a:t>2018/4/16</a:t>
+              <a:t>2018/5/9</a:t>
             </a:fld>
             <a:endParaRPr kumimoji="1" lang="zh-CN" altLang="en-US"/>
           </a:p>
@@ -1900,7 +1900,7 @@
           <a:p>
             <a:fld id="{67DC8ECF-C17C-9547-9729-DC0BA14056B1}" type="datetimeFigureOut">
               <a:rPr kumimoji="1" lang="zh-CN" altLang="en-US" smtClean="0"/>
-              <a:t>2018/4/16</a:t>
+              <a:t>2018/5/9</a:t>
             </a:fld>
             <a:endParaRPr kumimoji="1" lang="zh-CN" altLang="en-US"/>
           </a:p>
@@ -2140,7 +2140,7 @@
           <a:p>
             <a:fld id="{67DC8ECF-C17C-9547-9729-DC0BA14056B1}" type="datetimeFigureOut">
               <a:rPr kumimoji="1" lang="zh-CN" altLang="en-US" smtClean="0"/>
-              <a:t>2018/4/16</a:t>
+              <a:t>2018/5/9</a:t>
             </a:fld>
             <a:endParaRPr kumimoji="1" lang="zh-CN" altLang="en-US"/>
           </a:p>
@@ -2364,7 +2364,7 @@
           <a:p>
             <a:fld id="{67DC8ECF-C17C-9547-9729-DC0BA14056B1}" type="datetimeFigureOut">
               <a:rPr kumimoji="1" lang="zh-CN" altLang="en-US" smtClean="0"/>
-              <a:t>2018/4/16</a:t>
+              <a:t>2018/5/9</a:t>
             </a:fld>
             <a:endParaRPr kumimoji="1" lang="zh-CN" altLang="en-US"/>
           </a:p>
@@ -2723,7 +2723,7 @@
           <a:p>
             <a:fld id="{67DC8ECF-C17C-9547-9729-DC0BA14056B1}" type="datetimeFigureOut">
               <a:rPr kumimoji="1" lang="zh-CN" altLang="en-US" smtClean="0"/>
-              <a:t>2018/4/16</a:t>
+              <a:t>2018/5/9</a:t>
             </a:fld>
             <a:endParaRPr kumimoji="1" lang="zh-CN" altLang="en-US"/>
           </a:p>
@@ -2835,7 +2835,7 @@
           <a:p>
             <a:fld id="{67DC8ECF-C17C-9547-9729-DC0BA14056B1}" type="datetimeFigureOut">
               <a:rPr kumimoji="1" lang="zh-CN" altLang="en-US" smtClean="0"/>
-              <a:t>2018/4/16</a:t>
+              <a:t>2018/5/9</a:t>
             </a:fld>
             <a:endParaRPr kumimoji="1" lang="zh-CN" altLang="en-US"/>
           </a:p>
@@ -2925,7 +2925,7 @@
           <a:p>
             <a:fld id="{67DC8ECF-C17C-9547-9729-DC0BA14056B1}" type="datetimeFigureOut">
               <a:rPr kumimoji="1" lang="zh-CN" altLang="en-US" smtClean="0"/>
-              <a:t>2018/4/16</a:t>
+              <a:t>2018/5/9</a:t>
             </a:fld>
             <a:endParaRPr kumimoji="1" lang="zh-CN" altLang="en-US"/>
           </a:p>
@@ -3088,7 +3088,7 @@
           <a:p>
             <a:fld id="{1E333D41-EAB8-40B2-B281-A120D466E23B}" type="datetimeFigureOut">
               <a:rPr lang="zh-CN" altLang="en-US" smtClean="0"/>
-              <a:t>2018/4/16</a:t>
+              <a:t>2018/5/9</a:t>
             </a:fld>
             <a:endParaRPr lang="zh-CN" altLang="en-US"/>
           </a:p>
@@ -3358,7 +3358,7 @@
           <a:p>
             <a:fld id="{67DC8ECF-C17C-9547-9729-DC0BA14056B1}" type="datetimeFigureOut">
               <a:rPr kumimoji="1" lang="zh-CN" altLang="en-US" smtClean="0"/>
-              <a:t>2018/4/16</a:t>
+              <a:t>2018/5/9</a:t>
             </a:fld>
             <a:endParaRPr kumimoji="1" lang="zh-CN" altLang="en-US"/>
           </a:p>
@@ -3605,7 +3605,7 @@
           <a:p>
             <a:fld id="{67DC8ECF-C17C-9547-9729-DC0BA14056B1}" type="datetimeFigureOut">
               <a:rPr kumimoji="1" lang="zh-CN" altLang="en-US" smtClean="0"/>
-              <a:t>2018/4/16</a:t>
+              <a:t>2018/5/9</a:t>
             </a:fld>
             <a:endParaRPr kumimoji="1" lang="zh-CN" altLang="en-US"/>
           </a:p>
@@ -3768,7 +3768,7 @@
           <a:p>
             <a:fld id="{67DC8ECF-C17C-9547-9729-DC0BA14056B1}" type="datetimeFigureOut">
               <a:rPr kumimoji="1" lang="zh-CN" altLang="en-US" smtClean="0"/>
-              <a:t>2018/4/16</a:t>
+              <a:t>2018/5/9</a:t>
             </a:fld>
             <a:endParaRPr kumimoji="1" lang="zh-CN" altLang="en-US"/>
           </a:p>
@@ -3941,7 +3941,7 @@
           <a:p>
             <a:fld id="{67DC8ECF-C17C-9547-9729-DC0BA14056B1}" type="datetimeFigureOut">
               <a:rPr kumimoji="1" lang="zh-CN" altLang="en-US" smtClean="0"/>
-              <a:t>2018/4/16</a:t>
+              <a:t>2018/5/9</a:t>
             </a:fld>
             <a:endParaRPr kumimoji="1" lang="zh-CN" altLang="en-US"/>
           </a:p>
@@ -4181,7 +4181,7 @@
           <a:p>
             <a:fld id="{1E333D41-EAB8-40B2-B281-A120D466E23B}" type="datetimeFigureOut">
               <a:rPr lang="zh-CN" altLang="en-US" smtClean="0"/>
-              <a:t>2018/4/16</a:t>
+              <a:t>2018/5/9</a:t>
             </a:fld>
             <a:endParaRPr lang="zh-CN" altLang="en-US"/>
           </a:p>
@@ -4405,7 +4405,7 @@
           <a:p>
             <a:fld id="{1E333D41-EAB8-40B2-B281-A120D466E23B}" type="datetimeFigureOut">
               <a:rPr lang="zh-CN" altLang="en-US" smtClean="0"/>
-              <a:t>2018/4/16</a:t>
+              <a:t>2018/5/9</a:t>
             </a:fld>
             <a:endParaRPr lang="zh-CN" altLang="en-US"/>
           </a:p>
@@ -4764,7 +4764,7 @@
           <a:p>
             <a:fld id="{1E333D41-EAB8-40B2-B281-A120D466E23B}" type="datetimeFigureOut">
               <a:rPr lang="zh-CN" altLang="en-US" smtClean="0"/>
-              <a:t>2018/4/16</a:t>
+              <a:t>2018/5/9</a:t>
             </a:fld>
             <a:endParaRPr lang="zh-CN" altLang="en-US"/>
           </a:p>
@@ -4876,7 +4876,7 @@
           <a:p>
             <a:fld id="{1E333D41-EAB8-40B2-B281-A120D466E23B}" type="datetimeFigureOut">
               <a:rPr lang="zh-CN" altLang="en-US" smtClean="0"/>
-              <a:t>2018/4/16</a:t>
+              <a:t>2018/5/9</a:t>
             </a:fld>
             <a:endParaRPr lang="zh-CN" altLang="en-US"/>
           </a:p>
@@ -5568,7 +5568,7 @@
           <a:p>
             <a:fld id="{1E333D41-EAB8-40B2-B281-A120D466E23B}" type="datetimeFigureOut">
               <a:rPr lang="zh-CN" altLang="en-US" smtClean="0"/>
-              <a:t>2018/4/16</a:t>
+              <a:t>2018/5/9</a:t>
             </a:fld>
             <a:endParaRPr lang="zh-CN" altLang="en-US"/>
           </a:p>
@@ -5774,7 +5774,7 @@
           <a:p>
             <a:fld id="{F969584D-572C-6B44-88BE-488C33AA6CF5}" type="datetimeFigureOut">
               <a:rPr kumimoji="1" lang="zh-CN" altLang="en-US" smtClean="0"/>
-              <a:t>2018/4/16</a:t>
+              <a:t>2018/5/9</a:t>
             </a:fld>
             <a:endParaRPr kumimoji="1" lang="zh-CN" altLang="en-US"/>
           </a:p>
@@ -6892,7 +6892,7 @@
           <a:p>
             <a:fld id="{1E333D41-EAB8-40B2-B281-A120D466E23B}" type="datetimeFigureOut">
               <a:rPr lang="zh-CN" altLang="en-US" smtClean="0"/>
-              <a:t>2018/4/16</a:t>
+              <a:t>2018/5/9</a:t>
             </a:fld>
             <a:endParaRPr lang="zh-CN" altLang="en-US"/>
           </a:p>
@@ -7426,7 +7426,7 @@
           <a:p>
             <a:fld id="{67DC8ECF-C17C-9547-9729-DC0BA14056B1}" type="datetimeFigureOut">
               <a:rPr kumimoji="1" lang="zh-CN" altLang="en-US" smtClean="0"/>
-              <a:t>2018/4/16</a:t>
+              <a:t>2018/5/9</a:t>
             </a:fld>
             <a:endParaRPr kumimoji="1" lang="zh-CN" altLang="en-US"/>
           </a:p>
@@ -8050,7 +8050,7 @@
                 <a:latin typeface="微软雅黑" panose="020B0503020204020204" pitchFamily="34" charset="-122"/>
                 <a:ea typeface="微软雅黑" panose="020B0503020204020204" pitchFamily="34" charset="-122"/>
               </a:rPr>
-              <a:t>4</a:t>
+              <a:t>5</a:t>
             </a:r>
             <a:r>
               <a:rPr lang="zh-CN" altLang="en-US" sz="1600" dirty="0">
@@ -18919,7 +18919,7 @@
         </p:nvSpPr>
         <p:spPr>
           <a:xfrm>
-            <a:off x="1882653" y="1944909"/>
+            <a:off x="1882653" y="3495413"/>
             <a:ext cx="4204936" cy="338554"/>
           </a:xfrm>
           <a:prstGeom prst="rect">
@@ -18942,68 +18942,17 @@
                 <a:latin typeface="微软雅黑" panose="020B0503020204020204" pitchFamily="34" charset="-122"/>
                 <a:ea typeface="微软雅黑" panose="020B0503020204020204" pitchFamily="34" charset="-122"/>
               </a:rPr>
-              <a:t>用户注册</a:t>
+              <a:t>课程相关内容的部分完成</a:t>
             </a:r>
-            <a:r>
-              <a:rPr lang="en-US" altLang="zh-CN" sz="1600" b="1" dirty="0">
-                <a:solidFill>
-                  <a:schemeClr val="bg1">
-                    <a:lumMod val="50000"/>
-                  </a:schemeClr>
-                </a:solidFill>
-                <a:latin typeface="微软雅黑" panose="020B0503020204020204" pitchFamily="34" charset="-122"/>
-                <a:ea typeface="微软雅黑" panose="020B0503020204020204" pitchFamily="34" charset="-122"/>
-              </a:rPr>
-              <a:t>,</a:t>
-            </a:r>
-            <a:r>
-              <a:rPr lang="zh-CN" altLang="en-US" sz="1600" b="1" dirty="0">
-                <a:solidFill>
-                  <a:schemeClr val="bg1">
-                    <a:lumMod val="50000"/>
-                  </a:schemeClr>
-                </a:solidFill>
-                <a:latin typeface="微软雅黑" panose="020B0503020204020204" pitchFamily="34" charset="-122"/>
-                <a:ea typeface="微软雅黑" panose="020B0503020204020204" pitchFamily="34" charset="-122"/>
-              </a:rPr>
-              <a:t>邮箱的发送设置</a:t>
-            </a:r>
-            <a:r>
-              <a:rPr lang="en-US" altLang="zh-CN" sz="1600" b="1" dirty="0">
-                <a:solidFill>
-                  <a:schemeClr val="bg1">
-                    <a:lumMod val="50000"/>
-                  </a:schemeClr>
-                </a:solidFill>
-                <a:latin typeface="微软雅黑" panose="020B0503020204020204" pitchFamily="34" charset="-122"/>
-                <a:ea typeface="微软雅黑" panose="020B0503020204020204" pitchFamily="34" charset="-122"/>
-              </a:rPr>
-              <a:t>,</a:t>
-            </a:r>
-            <a:r>
-              <a:rPr lang="zh-CN" altLang="en-US" sz="1600" b="1" dirty="0">
-                <a:solidFill>
-                  <a:schemeClr val="bg1">
-                    <a:lumMod val="50000"/>
-                  </a:schemeClr>
-                </a:solidFill>
-                <a:latin typeface="微软雅黑" panose="020B0503020204020204" pitchFamily="34" charset="-122"/>
-                <a:ea typeface="微软雅黑" panose="020B0503020204020204" pitchFamily="34" charset="-122"/>
-              </a:rPr>
-              <a:t>验证</a:t>
-            </a:r>
-            <a:r>
-              <a:rPr lang="en-US" altLang="zh-CN" sz="1600" b="1" dirty="0">
-                <a:solidFill>
-                  <a:schemeClr val="bg1">
-                    <a:lumMod val="50000"/>
-                  </a:schemeClr>
-                </a:solidFill>
-                <a:latin typeface="微软雅黑" panose="020B0503020204020204" pitchFamily="34" charset="-122"/>
-                <a:ea typeface="微软雅黑" panose="020B0503020204020204" pitchFamily="34" charset="-122"/>
-              </a:rPr>
-              <a:t>, </a:t>
-            </a:r>
+            <a:endParaRPr lang="en-US" altLang="zh-CN" sz="1600" b="1" dirty="0">
+              <a:solidFill>
+                <a:schemeClr val="bg1">
+                  <a:lumMod val="50000"/>
+                </a:schemeClr>
+              </a:solidFill>
+              <a:latin typeface="微软雅黑" panose="020B0503020204020204" pitchFamily="34" charset="-122"/>
+              <a:ea typeface="微软雅黑" panose="020B0503020204020204" pitchFamily="34" charset="-122"/>
+            </a:endParaRPr>
           </a:p>
         </p:txBody>
       </p:sp>
@@ -19057,7 +19006,7 @@
         </p:nvGrpSpPr>
         <p:grpSpPr>
           <a:xfrm>
-            <a:off x="801816" y="1680807"/>
+            <a:off x="801816" y="3231311"/>
             <a:ext cx="864665" cy="865389"/>
             <a:chOff x="3287425" y="1417883"/>
             <a:chExt cx="648499" cy="649042"/>
@@ -19187,447 +19136,6 @@
                 <a:solidFill>
                   <a:schemeClr val="bg1"/>
                 </a:solidFill>
-                <a:latin typeface="+mj-lt"/>
-              </a:endParaRPr>
-            </a:p>
-          </p:txBody>
-        </p:sp>
-      </p:grpSp>
-      <p:grpSp>
-        <p:nvGrpSpPr>
-          <p:cNvPr id="72" name="Group 129">
-            <a:extLst>
-              <a:ext uri="{FF2B5EF4-FFF2-40B4-BE49-F238E27FC236}">
-                <a16:creationId xmlns:a16="http://schemas.microsoft.com/office/drawing/2014/main" id="{E2FE6808-AE00-4FE8-B49C-6347AA08CD0F}"/>
-              </a:ext>
-            </a:extLst>
-          </p:cNvPr>
-          <p:cNvGrpSpPr/>
-          <p:nvPr/>
-        </p:nvGrpSpPr>
-        <p:grpSpPr>
-          <a:xfrm>
-            <a:off x="801816" y="2677603"/>
-            <a:ext cx="864665" cy="865389"/>
-            <a:chOff x="2779491" y="2517212"/>
-            <a:chExt cx="648499" cy="649042"/>
-          </a:xfrm>
-        </p:grpSpPr>
-        <p:sp>
-          <p:nvSpPr>
-            <p:cNvPr id="73" name="Oval 75">
-              <a:extLst>
-                <a:ext uri="{FF2B5EF4-FFF2-40B4-BE49-F238E27FC236}">
-                  <a16:creationId xmlns:a16="http://schemas.microsoft.com/office/drawing/2014/main" id="{C457D16C-A722-43A3-9D45-4F472529EB3C}"/>
-                </a:ext>
-              </a:extLst>
-            </p:cNvPr>
-            <p:cNvSpPr>
-              <a:spLocks noChangeAspect="1"/>
-            </p:cNvSpPr>
-            <p:nvPr/>
-          </p:nvSpPr>
-          <p:spPr>
-            <a:xfrm>
-              <a:off x="2779491" y="2517212"/>
-              <a:ext cx="648499" cy="649042"/>
-            </a:xfrm>
-            <a:prstGeom prst="ellipse">
-              <a:avLst/>
-            </a:prstGeom>
-            <a:solidFill>
-              <a:schemeClr val="accent2">
-                <a:lumMod val="40000"/>
-                <a:lumOff val="60000"/>
-              </a:schemeClr>
-            </a:solidFill>
-            <a:ln w="19050">
-              <a:noFill/>
-            </a:ln>
-          </p:spPr>
-          <p:style>
-            <a:lnRef idx="2">
-              <a:schemeClr val="accent1">
-                <a:shade val="50000"/>
-              </a:schemeClr>
-            </a:lnRef>
-            <a:fillRef idx="1">
-              <a:schemeClr val="accent1"/>
-            </a:fillRef>
-            <a:effectRef idx="0">
-              <a:schemeClr val="accent1"/>
-            </a:effectRef>
-            <a:fontRef idx="minor">
-              <a:schemeClr val="lt1"/>
-            </a:fontRef>
-          </p:style>
-          <p:txBody>
-            <a:bodyPr rtlCol="0" anchor="ctr"/>
-            <a:lstStyle/>
-            <a:p>
-              <a:pPr algn="ctr"/>
-              <a:endParaRPr lang="en-US" sz="135" b="1" dirty="0">
-                <a:solidFill>
-                  <a:schemeClr val="bg1"/>
-                </a:solidFill>
-                <a:latin typeface="+mj-lt"/>
-              </a:endParaRPr>
-            </a:p>
-          </p:txBody>
-        </p:sp>
-        <p:sp>
-          <p:nvSpPr>
-            <p:cNvPr id="74" name="Oval 76">
-              <a:extLst>
-                <a:ext uri="{FF2B5EF4-FFF2-40B4-BE49-F238E27FC236}">
-                  <a16:creationId xmlns:a16="http://schemas.microsoft.com/office/drawing/2014/main" id="{D29B5E8D-137D-4834-B251-4C0D2D7B9CC1}"/>
-                </a:ext>
-              </a:extLst>
-            </p:cNvPr>
-            <p:cNvSpPr>
-              <a:spLocks noChangeAspect="1"/>
-            </p:cNvSpPr>
-            <p:nvPr/>
-          </p:nvSpPr>
-          <p:spPr>
-            <a:xfrm>
-              <a:off x="2854318" y="2592102"/>
-              <a:ext cx="498845" cy="499263"/>
-            </a:xfrm>
-            <a:prstGeom prst="ellipse">
-              <a:avLst/>
-            </a:prstGeom>
-            <a:solidFill>
-              <a:schemeClr val="accent2"/>
-            </a:solidFill>
-            <a:ln w="19050">
-              <a:noFill/>
-            </a:ln>
-          </p:spPr>
-          <p:style>
-            <a:lnRef idx="2">
-              <a:schemeClr val="accent1">
-                <a:shade val="50000"/>
-              </a:schemeClr>
-            </a:lnRef>
-            <a:fillRef idx="1">
-              <a:schemeClr val="accent1"/>
-            </a:fillRef>
-            <a:effectRef idx="0">
-              <a:schemeClr val="accent1"/>
-            </a:effectRef>
-            <a:fontRef idx="minor">
-              <a:schemeClr val="lt1"/>
-            </a:fontRef>
-          </p:style>
-          <p:txBody>
-            <a:bodyPr rtlCol="0" anchor="ctr"/>
-            <a:lstStyle/>
-            <a:p>
-              <a:pPr algn="ctr"/>
-              <a:r>
-                <a:rPr lang="en-US" sz="1600" b="1" dirty="0">
-                  <a:solidFill>
-                    <a:schemeClr val="bg1"/>
-                  </a:solidFill>
-                </a:rPr>
-                <a:t>02</a:t>
-              </a:r>
-              <a:endParaRPr lang="en-US" sz="1600" b="1" dirty="0">
-                <a:latin typeface="+mj-lt"/>
-              </a:endParaRPr>
-            </a:p>
-          </p:txBody>
-        </p:sp>
-      </p:grpSp>
-      <p:grpSp>
-        <p:nvGrpSpPr>
-          <p:cNvPr id="76" name="Group 130">
-            <a:extLst>
-              <a:ext uri="{FF2B5EF4-FFF2-40B4-BE49-F238E27FC236}">
-                <a16:creationId xmlns:a16="http://schemas.microsoft.com/office/drawing/2014/main" id="{6D522464-673F-4D63-9326-0B5CA85B12A8}"/>
-              </a:ext>
-            </a:extLst>
-          </p:cNvPr>
-          <p:cNvGrpSpPr/>
-          <p:nvPr/>
-        </p:nvGrpSpPr>
-        <p:grpSpPr>
-          <a:xfrm>
-            <a:off x="801816" y="3704352"/>
-            <a:ext cx="864665" cy="865389"/>
-            <a:chOff x="3287425" y="3613920"/>
-            <a:chExt cx="648499" cy="649042"/>
-          </a:xfrm>
-        </p:grpSpPr>
-        <p:sp>
-          <p:nvSpPr>
-            <p:cNvPr id="77" name="Oval 78">
-              <a:extLst>
-                <a:ext uri="{FF2B5EF4-FFF2-40B4-BE49-F238E27FC236}">
-                  <a16:creationId xmlns:a16="http://schemas.microsoft.com/office/drawing/2014/main" id="{B1323227-A43E-4E4D-B51D-C04DB72329CE}"/>
-                </a:ext>
-              </a:extLst>
-            </p:cNvPr>
-            <p:cNvSpPr>
-              <a:spLocks noChangeAspect="1"/>
-            </p:cNvSpPr>
-            <p:nvPr/>
-          </p:nvSpPr>
-          <p:spPr>
-            <a:xfrm>
-              <a:off x="3287425" y="3613920"/>
-              <a:ext cx="648499" cy="649042"/>
-            </a:xfrm>
-            <a:prstGeom prst="ellipse">
-              <a:avLst/>
-            </a:prstGeom>
-            <a:solidFill>
-              <a:schemeClr val="accent3">
-                <a:lumMod val="40000"/>
-                <a:lumOff val="60000"/>
-              </a:schemeClr>
-            </a:solidFill>
-            <a:ln w="19050">
-              <a:noFill/>
-            </a:ln>
-          </p:spPr>
-          <p:style>
-            <a:lnRef idx="2">
-              <a:schemeClr val="accent1">
-                <a:shade val="50000"/>
-              </a:schemeClr>
-            </a:lnRef>
-            <a:fillRef idx="1">
-              <a:schemeClr val="accent1"/>
-            </a:fillRef>
-            <a:effectRef idx="0">
-              <a:schemeClr val="accent1"/>
-            </a:effectRef>
-            <a:fontRef idx="minor">
-              <a:schemeClr val="lt1"/>
-            </a:fontRef>
-          </p:style>
-          <p:txBody>
-            <a:bodyPr rtlCol="0" anchor="ctr"/>
-            <a:lstStyle/>
-            <a:p>
-              <a:pPr algn="ctr"/>
-              <a:endParaRPr lang="en-US" sz="135" b="1" dirty="0">
-                <a:solidFill>
-                  <a:schemeClr val="bg1"/>
-                </a:solidFill>
-                <a:latin typeface="+mj-lt"/>
-              </a:endParaRPr>
-            </a:p>
-          </p:txBody>
-        </p:sp>
-        <p:sp>
-          <p:nvSpPr>
-            <p:cNvPr id="78" name="Oval 79">
-              <a:extLst>
-                <a:ext uri="{FF2B5EF4-FFF2-40B4-BE49-F238E27FC236}">
-                  <a16:creationId xmlns:a16="http://schemas.microsoft.com/office/drawing/2014/main" id="{22C2A4B7-C4C3-4401-A043-85EDC3EAEBE4}"/>
-                </a:ext>
-              </a:extLst>
-            </p:cNvPr>
-            <p:cNvSpPr>
-              <a:spLocks noChangeAspect="1"/>
-            </p:cNvSpPr>
-            <p:nvPr/>
-          </p:nvSpPr>
-          <p:spPr>
-            <a:xfrm>
-              <a:off x="3362252" y="3688810"/>
-              <a:ext cx="498845" cy="499263"/>
-            </a:xfrm>
-            <a:prstGeom prst="ellipse">
-              <a:avLst/>
-            </a:prstGeom>
-            <a:solidFill>
-              <a:schemeClr val="accent3"/>
-            </a:solidFill>
-            <a:ln w="19050">
-              <a:noFill/>
-            </a:ln>
-          </p:spPr>
-          <p:style>
-            <a:lnRef idx="2">
-              <a:schemeClr val="accent1">
-                <a:shade val="50000"/>
-              </a:schemeClr>
-            </a:lnRef>
-            <a:fillRef idx="1">
-              <a:schemeClr val="accent1"/>
-            </a:fillRef>
-            <a:effectRef idx="0">
-              <a:schemeClr val="accent1"/>
-            </a:effectRef>
-            <a:fontRef idx="minor">
-              <a:schemeClr val="lt1"/>
-            </a:fontRef>
-          </p:style>
-          <p:txBody>
-            <a:bodyPr rtlCol="0" anchor="ctr"/>
-            <a:lstStyle/>
-            <a:p>
-              <a:pPr algn="ctr"/>
-              <a:r>
-                <a:rPr lang="en-US" sz="1600" b="1" dirty="0">
-                  <a:solidFill>
-                    <a:schemeClr val="bg1"/>
-                  </a:solidFill>
-                </a:rPr>
-                <a:t>03</a:t>
-              </a:r>
-              <a:endParaRPr lang="en-US" sz="1600" b="1" dirty="0">
-                <a:latin typeface="+mj-lt"/>
-              </a:endParaRPr>
-            </a:p>
-          </p:txBody>
-        </p:sp>
-      </p:grpSp>
-      <p:grpSp>
-        <p:nvGrpSpPr>
-          <p:cNvPr id="80" name="Group 133">
-            <a:extLst>
-              <a:ext uri="{FF2B5EF4-FFF2-40B4-BE49-F238E27FC236}">
-                <a16:creationId xmlns:a16="http://schemas.microsoft.com/office/drawing/2014/main" id="{A55BDB69-8E92-4607-AC9E-D5B7C9B5CD65}"/>
-              </a:ext>
-            </a:extLst>
-          </p:cNvPr>
-          <p:cNvGrpSpPr/>
-          <p:nvPr/>
-        </p:nvGrpSpPr>
-        <p:grpSpPr>
-          <a:xfrm>
-            <a:off x="801816" y="4739063"/>
-            <a:ext cx="864665" cy="865389"/>
-            <a:chOff x="5249342" y="1406453"/>
-            <a:chExt cx="648499" cy="649042"/>
-          </a:xfrm>
-        </p:grpSpPr>
-        <p:sp>
-          <p:nvSpPr>
-            <p:cNvPr id="81" name="Oval 81">
-              <a:extLst>
-                <a:ext uri="{FF2B5EF4-FFF2-40B4-BE49-F238E27FC236}">
-                  <a16:creationId xmlns:a16="http://schemas.microsoft.com/office/drawing/2014/main" id="{50A8BB45-799A-4CDE-B7C3-C79E1CC6BCDB}"/>
-                </a:ext>
-              </a:extLst>
-            </p:cNvPr>
-            <p:cNvSpPr>
-              <a:spLocks noChangeAspect="1"/>
-            </p:cNvSpPr>
-            <p:nvPr/>
-          </p:nvSpPr>
-          <p:spPr>
-            <a:xfrm>
-              <a:off x="5249342" y="1406453"/>
-              <a:ext cx="648499" cy="649042"/>
-            </a:xfrm>
-            <a:prstGeom prst="ellipse">
-              <a:avLst/>
-            </a:prstGeom>
-            <a:solidFill>
-              <a:schemeClr val="accent4">
-                <a:lumMod val="40000"/>
-                <a:lumOff val="60000"/>
-              </a:schemeClr>
-            </a:solidFill>
-            <a:ln w="19050">
-              <a:noFill/>
-            </a:ln>
-          </p:spPr>
-          <p:style>
-            <a:lnRef idx="2">
-              <a:schemeClr val="accent1">
-                <a:shade val="50000"/>
-              </a:schemeClr>
-            </a:lnRef>
-            <a:fillRef idx="1">
-              <a:schemeClr val="accent1"/>
-            </a:fillRef>
-            <a:effectRef idx="0">
-              <a:schemeClr val="accent1"/>
-            </a:effectRef>
-            <a:fontRef idx="minor">
-              <a:schemeClr val="lt1"/>
-            </a:fontRef>
-          </p:style>
-          <p:txBody>
-            <a:bodyPr rtlCol="0" anchor="ctr"/>
-            <a:lstStyle/>
-            <a:p>
-              <a:pPr algn="ctr"/>
-              <a:endParaRPr lang="en-US" sz="135" b="1" dirty="0">
-                <a:solidFill>
-                  <a:schemeClr val="bg1"/>
-                </a:solidFill>
-                <a:latin typeface="+mj-lt"/>
-              </a:endParaRPr>
-            </a:p>
-          </p:txBody>
-        </p:sp>
-        <p:sp>
-          <p:nvSpPr>
-            <p:cNvPr id="82" name="Oval 82">
-              <a:extLst>
-                <a:ext uri="{FF2B5EF4-FFF2-40B4-BE49-F238E27FC236}">
-                  <a16:creationId xmlns:a16="http://schemas.microsoft.com/office/drawing/2014/main" id="{98F8DE59-DFD2-48F9-928C-8ECBEF9B1C43}"/>
-                </a:ext>
-              </a:extLst>
-            </p:cNvPr>
-            <p:cNvSpPr>
-              <a:spLocks noChangeAspect="1"/>
-            </p:cNvSpPr>
-            <p:nvPr/>
-          </p:nvSpPr>
-          <p:spPr>
-            <a:xfrm>
-              <a:off x="5324169" y="1481343"/>
-              <a:ext cx="498845" cy="499263"/>
-            </a:xfrm>
-            <a:prstGeom prst="ellipse">
-              <a:avLst/>
-            </a:prstGeom>
-            <a:solidFill>
-              <a:schemeClr val="accent4"/>
-            </a:solidFill>
-            <a:ln w="19050">
-              <a:noFill/>
-            </a:ln>
-          </p:spPr>
-          <p:style>
-            <a:lnRef idx="2">
-              <a:schemeClr val="accent1">
-                <a:shade val="50000"/>
-              </a:schemeClr>
-            </a:lnRef>
-            <a:fillRef idx="1">
-              <a:schemeClr val="accent1"/>
-            </a:fillRef>
-            <a:effectRef idx="0">
-              <a:schemeClr val="accent1"/>
-            </a:effectRef>
-            <a:fontRef idx="minor">
-              <a:schemeClr val="lt1"/>
-            </a:fontRef>
-          </p:style>
-          <p:txBody>
-            <a:bodyPr rtlCol="0" anchor="ctr"/>
-            <a:lstStyle/>
-            <a:p>
-              <a:pPr algn="ctr"/>
-              <a:r>
-                <a:rPr lang="en-US" sz="1600" b="1" dirty="0">
-                  <a:solidFill>
-                    <a:schemeClr val="bg1"/>
-                  </a:solidFill>
-                </a:rPr>
-                <a:t>04</a:t>
-              </a:r>
-              <a:endParaRPr lang="en-US" sz="1600" b="1" dirty="0">
                 <a:latin typeface="+mj-lt"/>
               </a:endParaRPr>
             </a:p>
@@ -19971,276 +19479,6 @@
                             </p:childTnLst>
                           </p:cTn>
                         </p:par>
-                        <p:par>
-                          <p:cTn id="27" fill="hold">
-                            <p:stCondLst>
-                              <p:cond delay="3000"/>
-                            </p:stCondLst>
-                            <p:childTnLst>
-                              <p:par>
-                                <p:cTn id="28" presetID="53" presetClass="entr" presetSubtype="16" fill="hold" nodeType="afterEffect">
-                                  <p:stCondLst>
-                                    <p:cond delay="0"/>
-                                  </p:stCondLst>
-                                  <p:childTnLst>
-                                    <p:set>
-                                      <p:cBhvr>
-                                        <p:cTn id="29" dur="1" fill="hold">
-                                          <p:stCondLst>
-                                            <p:cond delay="0"/>
-                                          </p:stCondLst>
-                                        </p:cTn>
-                                        <p:tgtEl>
-                                          <p:spTgt spid="72"/>
-                                        </p:tgtEl>
-                                        <p:attrNameLst>
-                                          <p:attrName>style.visibility</p:attrName>
-                                        </p:attrNameLst>
-                                      </p:cBhvr>
-                                      <p:to>
-                                        <p:strVal val="visible"/>
-                                      </p:to>
-                                    </p:set>
-                                    <p:anim calcmode="lin" valueType="num">
-                                      <p:cBhvr>
-                                        <p:cTn id="30" dur="500" fill="hold"/>
-                                        <p:tgtEl>
-                                          <p:spTgt spid="72"/>
-                                        </p:tgtEl>
-                                        <p:attrNameLst>
-                                          <p:attrName>ppt_w</p:attrName>
-                                        </p:attrNameLst>
-                                      </p:cBhvr>
-                                      <p:tavLst>
-                                        <p:tav tm="0">
-                                          <p:val>
-                                            <p:fltVal val="0"/>
-                                          </p:val>
-                                        </p:tav>
-                                        <p:tav tm="100000">
-                                          <p:val>
-                                            <p:strVal val="#ppt_w"/>
-                                          </p:val>
-                                        </p:tav>
-                                      </p:tavLst>
-                                    </p:anim>
-                                    <p:anim calcmode="lin" valueType="num">
-                                      <p:cBhvr>
-                                        <p:cTn id="31" dur="500" fill="hold"/>
-                                        <p:tgtEl>
-                                          <p:spTgt spid="72"/>
-                                        </p:tgtEl>
-                                        <p:attrNameLst>
-                                          <p:attrName>ppt_h</p:attrName>
-                                        </p:attrNameLst>
-                                      </p:cBhvr>
-                                      <p:tavLst>
-                                        <p:tav tm="0">
-                                          <p:val>
-                                            <p:fltVal val="0"/>
-                                          </p:val>
-                                        </p:tav>
-                                        <p:tav tm="100000">
-                                          <p:val>
-                                            <p:strVal val="#ppt_h"/>
-                                          </p:val>
-                                        </p:tav>
-                                      </p:tavLst>
-                                    </p:anim>
-                                    <p:animEffect transition="in" filter="fade">
-                                      <p:cBhvr>
-                                        <p:cTn id="32" dur="500"/>
-                                        <p:tgtEl>
-                                          <p:spTgt spid="72"/>
-                                        </p:tgtEl>
-                                      </p:cBhvr>
-                                    </p:animEffect>
-                                  </p:childTnLst>
-                                </p:cTn>
-                              </p:par>
-                            </p:childTnLst>
-                          </p:cTn>
-                        </p:par>
-                        <p:par>
-                          <p:cTn id="33" fill="hold">
-                            <p:stCondLst>
-                              <p:cond delay="3500"/>
-                            </p:stCondLst>
-                            <p:childTnLst>
-                              <p:par>
-                                <p:cTn id="34" presetID="53" presetClass="entr" presetSubtype="16" fill="hold" nodeType="afterEffect">
-                                  <p:stCondLst>
-                                    <p:cond delay="0"/>
-                                  </p:stCondLst>
-                                  <p:childTnLst>
-                                    <p:set>
-                                      <p:cBhvr>
-                                        <p:cTn id="35" dur="1" fill="hold">
-                                          <p:stCondLst>
-                                            <p:cond delay="0"/>
-                                          </p:stCondLst>
-                                        </p:cTn>
-                                        <p:tgtEl>
-                                          <p:spTgt spid="76"/>
-                                        </p:tgtEl>
-                                        <p:attrNameLst>
-                                          <p:attrName>style.visibility</p:attrName>
-                                        </p:attrNameLst>
-                                      </p:cBhvr>
-                                      <p:to>
-                                        <p:strVal val="visible"/>
-                                      </p:to>
-                                    </p:set>
-                                    <p:anim calcmode="lin" valueType="num">
-                                      <p:cBhvr>
-                                        <p:cTn id="36" dur="500" fill="hold"/>
-                                        <p:tgtEl>
-                                          <p:spTgt spid="76"/>
-                                        </p:tgtEl>
-                                        <p:attrNameLst>
-                                          <p:attrName>ppt_w</p:attrName>
-                                        </p:attrNameLst>
-                                      </p:cBhvr>
-                                      <p:tavLst>
-                                        <p:tav tm="0">
-                                          <p:val>
-                                            <p:fltVal val="0"/>
-                                          </p:val>
-                                        </p:tav>
-                                        <p:tav tm="100000">
-                                          <p:val>
-                                            <p:strVal val="#ppt_w"/>
-                                          </p:val>
-                                        </p:tav>
-                                      </p:tavLst>
-                                    </p:anim>
-                                    <p:anim calcmode="lin" valueType="num">
-                                      <p:cBhvr>
-                                        <p:cTn id="37" dur="500" fill="hold"/>
-                                        <p:tgtEl>
-                                          <p:spTgt spid="76"/>
-                                        </p:tgtEl>
-                                        <p:attrNameLst>
-                                          <p:attrName>ppt_h</p:attrName>
-                                        </p:attrNameLst>
-                                      </p:cBhvr>
-                                      <p:tavLst>
-                                        <p:tav tm="0">
-                                          <p:val>
-                                            <p:fltVal val="0"/>
-                                          </p:val>
-                                        </p:tav>
-                                        <p:tav tm="100000">
-                                          <p:val>
-                                            <p:strVal val="#ppt_h"/>
-                                          </p:val>
-                                        </p:tav>
-                                      </p:tavLst>
-                                    </p:anim>
-                                    <p:animEffect transition="in" filter="fade">
-                                      <p:cBhvr>
-                                        <p:cTn id="38" dur="500"/>
-                                        <p:tgtEl>
-                                          <p:spTgt spid="76"/>
-                                        </p:tgtEl>
-                                      </p:cBhvr>
-                                    </p:animEffect>
-                                  </p:childTnLst>
-                                </p:cTn>
-                              </p:par>
-                            </p:childTnLst>
-                          </p:cTn>
-                        </p:par>
-                        <p:par>
-                          <p:cTn id="39" fill="hold">
-                            <p:stCondLst>
-                              <p:cond delay="4000"/>
-                            </p:stCondLst>
-                            <p:childTnLst>
-                              <p:par>
-                                <p:cTn id="40" presetID="53" presetClass="entr" presetSubtype="16" fill="hold" nodeType="afterEffect">
-                                  <p:stCondLst>
-                                    <p:cond delay="0"/>
-                                  </p:stCondLst>
-                                  <p:childTnLst>
-                                    <p:set>
-                                      <p:cBhvr>
-                                        <p:cTn id="41" dur="1" fill="hold">
-                                          <p:stCondLst>
-                                            <p:cond delay="0"/>
-                                          </p:stCondLst>
-                                        </p:cTn>
-                                        <p:tgtEl>
-                                          <p:spTgt spid="80"/>
-                                        </p:tgtEl>
-                                        <p:attrNameLst>
-                                          <p:attrName>style.visibility</p:attrName>
-                                        </p:attrNameLst>
-                                      </p:cBhvr>
-                                      <p:to>
-                                        <p:strVal val="visible"/>
-                                      </p:to>
-                                    </p:set>
-                                    <p:anim calcmode="lin" valueType="num">
-                                      <p:cBhvr>
-                                        <p:cTn id="42" dur="500" fill="hold"/>
-                                        <p:tgtEl>
-                                          <p:spTgt spid="80"/>
-                                        </p:tgtEl>
-                                        <p:attrNameLst>
-                                          <p:attrName>ppt_w</p:attrName>
-                                        </p:attrNameLst>
-                                      </p:cBhvr>
-                                      <p:tavLst>
-                                        <p:tav tm="0">
-                                          <p:val>
-                                            <p:fltVal val="0"/>
-                                          </p:val>
-                                        </p:tav>
-                                        <p:tav tm="100000">
-                                          <p:val>
-                                            <p:strVal val="#ppt_w"/>
-                                          </p:val>
-                                        </p:tav>
-                                      </p:tavLst>
-                                    </p:anim>
-                                    <p:anim calcmode="lin" valueType="num">
-                                      <p:cBhvr>
-                                        <p:cTn id="43" dur="500" fill="hold"/>
-                                        <p:tgtEl>
-                                          <p:spTgt spid="80"/>
-                                        </p:tgtEl>
-                                        <p:attrNameLst>
-                                          <p:attrName>ppt_h</p:attrName>
-                                        </p:attrNameLst>
-                                      </p:cBhvr>
-                                      <p:tavLst>
-                                        <p:tav tm="0">
-                                          <p:val>
-                                            <p:fltVal val="0"/>
-                                          </p:val>
-                                        </p:tav>
-                                        <p:tav tm="100000">
-                                          <p:val>
-                                            <p:strVal val="#ppt_h"/>
-                                          </p:val>
-                                        </p:tav>
-                                      </p:tavLst>
-                                    </p:anim>
-                                    <p:animEffect transition="in" filter="fade">
-                                      <p:cBhvr>
-                                        <p:cTn id="44" dur="500"/>
-                                        <p:tgtEl>
-                                          <p:spTgt spid="80"/>
-                                        </p:tgtEl>
-                                      </p:cBhvr>
-                                    </p:animEffect>
-                                  </p:childTnLst>
-                                </p:cTn>
-                              </p:par>
-                            </p:childTnLst>
-                          </p:cTn>
-                        </p:par>
                       </p:childTnLst>
                     </p:cTn>
                   </p:par>
@@ -20443,8 +19681,8 @@
         </p:nvSpPr>
         <p:spPr>
           <a:xfrm>
-            <a:off x="4082716" y="3188109"/>
-            <a:ext cx="4026569" cy="707886"/>
+            <a:off x="3414356" y="2936439"/>
+            <a:ext cx="5363288" cy="707886"/>
           </a:xfrm>
           <a:prstGeom prst="rect">
             <a:avLst/>
@@ -20469,6 +19707,16 @@
               <a:t>01. </a:t>
             </a:r>
             <a:r>
+              <a:rPr lang="en-US" altLang="zh-CN" sz="4000" dirty="0" err="1">
+                <a:solidFill>
+                  <a:srgbClr val="784B23"/>
+                </a:solidFill>
+                <a:latin typeface="微软雅黑" panose="020B0503020204020204" pitchFamily="34" charset="-122"/>
+                <a:ea typeface="微软雅黑" panose="020B0503020204020204" pitchFamily="34" charset="-122"/>
+              </a:rPr>
+              <a:t>Sql</a:t>
+            </a:r>
+            <a:r>
               <a:rPr lang="zh-CN" altLang="en-US" sz="4000" dirty="0">
                 <a:solidFill>
                   <a:srgbClr val="784B23"/>
@@ -20476,7 +19724,7 @@
                 <a:latin typeface="微软雅黑" panose="020B0503020204020204" pitchFamily="34" charset="-122"/>
                 <a:ea typeface="微软雅黑" panose="020B0503020204020204" pitchFamily="34" charset="-122"/>
               </a:rPr>
-              <a:t>密码修改</a:t>
+              <a:t>攻击及防范</a:t>
             </a:r>
           </a:p>
         </p:txBody>
@@ -20489,8 +19737,8 @@
         </p:nvSpPr>
         <p:spPr>
           <a:xfrm>
-            <a:off x="4082716" y="4550707"/>
-            <a:ext cx="4026569" cy="707886"/>
+            <a:off x="3414356" y="4002854"/>
+            <a:ext cx="5475170" cy="707886"/>
           </a:xfrm>
           <a:prstGeom prst="rect">
             <a:avLst/>
@@ -20515,6 +19763,16 @@
               <a:t>02. </a:t>
             </a:r>
             <a:r>
+              <a:rPr lang="en-US" altLang="zh-CN" sz="4000" dirty="0" err="1">
+                <a:solidFill>
+                  <a:srgbClr val="784B23"/>
+                </a:solidFill>
+                <a:latin typeface="微软雅黑" panose="020B0503020204020204" pitchFamily="34" charset="-122"/>
+                <a:ea typeface="微软雅黑" panose="020B0503020204020204" pitchFamily="34" charset="-122"/>
+              </a:rPr>
+              <a:t>xss</a:t>
+            </a:r>
+            <a:r>
               <a:rPr lang="zh-CN" altLang="en-US" sz="4000" dirty="0">
                 <a:solidFill>
                   <a:srgbClr val="784B23"/>
@@ -20522,7 +19780,7 @@
                 <a:latin typeface="微软雅黑" panose="020B0503020204020204" pitchFamily="34" charset="-122"/>
                 <a:ea typeface="微软雅黑" panose="020B0503020204020204" pitchFamily="34" charset="-122"/>
               </a:rPr>
-              <a:t>邮箱修改</a:t>
+              <a:t>攻击及防范</a:t>
             </a:r>
           </a:p>
         </p:txBody>
@@ -20606,6 +19864,68 @@
           </a:prstGeom>
         </p:spPr>
       </p:pic>
+      <p:sp>
+        <p:nvSpPr>
+          <p:cNvPr id="11" name="文本框 10">
+            <a:extLst>
+              <a:ext uri="{FF2B5EF4-FFF2-40B4-BE49-F238E27FC236}">
+                <a16:creationId xmlns:a16="http://schemas.microsoft.com/office/drawing/2014/main" id="{A90317E9-AF81-4B27-A69E-8C6DA4BE041A}"/>
+              </a:ext>
+            </a:extLst>
+          </p:cNvPr>
+          <p:cNvSpPr txBox="1"/>
+          <p:nvPr/>
+        </p:nvSpPr>
+        <p:spPr>
+          <a:xfrm>
+            <a:off x="3414356" y="5069270"/>
+            <a:ext cx="5466781" cy="707886"/>
+          </a:xfrm>
+          <a:prstGeom prst="rect">
+            <a:avLst/>
+          </a:prstGeom>
+          <a:noFill/>
+        </p:spPr>
+        <p:txBody>
+          <a:bodyPr wrap="square" rtlCol="0">
+            <a:spAutoFit/>
+          </a:bodyPr>
+          <a:lstStyle/>
+          <a:p>
+            <a:pPr algn="ctr"/>
+            <a:r>
+              <a:rPr lang="en-US" altLang="zh-CN" sz="4000" dirty="0">
+                <a:solidFill>
+                  <a:srgbClr val="784B23"/>
+                </a:solidFill>
+                <a:latin typeface="微软雅黑" panose="020B0503020204020204" pitchFamily="34" charset="-122"/>
+                <a:ea typeface="微软雅黑" panose="020B0503020204020204" pitchFamily="34" charset="-122"/>
+              </a:rPr>
+              <a:t>03. </a:t>
+            </a:r>
+            <a:r>
+              <a:rPr lang="en-US" altLang="zh-CN" sz="4000" dirty="0" err="1">
+                <a:solidFill>
+                  <a:srgbClr val="784B23"/>
+                </a:solidFill>
+                <a:latin typeface="微软雅黑" panose="020B0503020204020204" pitchFamily="34" charset="-122"/>
+                <a:ea typeface="微软雅黑" panose="020B0503020204020204" pitchFamily="34" charset="-122"/>
+              </a:rPr>
+              <a:t>csrf</a:t>
+            </a:r>
+            <a:r>
+              <a:rPr lang="zh-CN" altLang="en-US" sz="4000" dirty="0">
+                <a:solidFill>
+                  <a:srgbClr val="784B23"/>
+                </a:solidFill>
+                <a:latin typeface="微软雅黑" panose="020B0503020204020204" pitchFamily="34" charset="-122"/>
+                <a:ea typeface="微软雅黑" panose="020B0503020204020204" pitchFamily="34" charset="-122"/>
+              </a:rPr>
+              <a:t>攻击及防范</a:t>
+            </a:r>
+          </a:p>
+        </p:txBody>
+      </p:sp>
     </p:spTree>
   </p:cSld>
   <p:clrMapOvr>
@@ -20987,6 +20307,50 @@
                             </p:childTnLst>
                           </p:cTn>
                         </p:par>
+                        <p:par>
+                          <p:cTn id="31" fill="hold">
+                            <p:stCondLst>
+                              <p:cond delay="4000"/>
+                            </p:stCondLst>
+                            <p:childTnLst>
+                              <p:par>
+                                <p:cTn id="32" presetID="10" presetClass="entr" presetSubtype="0" fill="hold" grpId="0" nodeType="afterEffect">
+                                  <p:stCondLst>
+                                    <p:cond delay="0"/>
+                                  </p:stCondLst>
+                                  <p:childTnLst>
+                                    <p:set>
+                                      <p:cBhvr>
+                                        <p:cTn id="33" dur="1" fill="hold">
+                                          <p:stCondLst>
+                                            <p:cond delay="0"/>
+                                          </p:stCondLst>
+                                        </p:cTn>
+                                        <p:tgtEl>
+                                          <p:spTgt spid="11"/>
+                                        </p:tgtEl>
+                                        <p:attrNameLst>
+                                          <p:attrName>style.visibility</p:attrName>
+                                        </p:attrNameLst>
+                                      </p:cBhvr>
+                                      <p:to>
+                                        <p:strVal val="visible"/>
+                                      </p:to>
+                                    </p:set>
+                                    <p:animEffect transition="in" filter="fade">
+                                      <p:cBhvr>
+                                        <p:cTn id="34" dur="500"/>
+                                        <p:tgtEl>
+                                          <p:spTgt spid="11"/>
+                                        </p:tgtEl>
+                                      </p:cBhvr>
+                                    </p:animEffect>
+                                  </p:childTnLst>
+                                </p:cTn>
+                              </p:par>
+                            </p:childTnLst>
+                          </p:cTn>
+                        </p:par>
                       </p:childTnLst>
                     </p:cTn>
                   </p:par>
@@ -21016,6 +20380,7 @@
       <p:bldP spid="5" grpId="0"/>
       <p:bldP spid="6" grpId="0"/>
       <p:bldP spid="10" grpId="0"/>
+      <p:bldP spid="11" grpId="0"/>
     </p:bldLst>
   </p:timing>
 </p:sld>
@@ -21219,7 +20584,7 @@
                 <a:latin typeface="微软雅黑" panose="020B0503020204020204" pitchFamily="34" charset="-122"/>
                 <a:ea typeface="微软雅黑" panose="020B0503020204020204" pitchFamily="34" charset="-122"/>
               </a:rPr>
-              <a:t>密码修改</a:t>
+              <a:t>安全问题</a:t>
             </a:r>
           </a:p>
         </p:txBody>
@@ -21834,7 +21199,7 @@
                 <a:latin typeface="微软雅黑" panose="020B0503020204020204" pitchFamily="34" charset="-122"/>
                 <a:ea typeface="微软雅黑" panose="020B0503020204020204" pitchFamily="34" charset="-122"/>
               </a:rPr>
-              <a:t>邮箱修改</a:t>
+              <a:t>常见的攻击</a:t>
             </a:r>
           </a:p>
         </p:txBody>
@@ -27534,7 +26899,7 @@
         </p:nvGrpSpPr>
         <p:grpSpPr>
           <a:xfrm>
-            <a:off x="1194675" y="2036209"/>
+            <a:off x="1194675" y="3089758"/>
             <a:ext cx="374477" cy="281039"/>
             <a:chOff x="789999" y="2242985"/>
             <a:chExt cx="504229" cy="378415"/>
@@ -27850,7 +27215,7 @@
         </p:nvSpPr>
         <p:spPr bwMode="auto">
           <a:xfrm>
-            <a:off x="1971052" y="2070082"/>
+            <a:off x="1971052" y="3123631"/>
             <a:ext cx="3299568" cy="285463"/>
           </a:xfrm>
           <a:prstGeom prst="rect">
@@ -27899,7 +27264,7 @@
                 <a:latin typeface="微软雅黑" panose="020B0503020204020204" pitchFamily="34" charset="-122"/>
                 <a:ea typeface="微软雅黑" panose="020B0503020204020204" pitchFamily="34" charset="-122"/>
               </a:rPr>
-              <a:t>知识点一 利用注册的原理修改密码</a:t>
+              <a:t>知识点一  利用安全漏洞</a:t>
             </a:r>
             <a:endParaRPr lang="en-US" altLang="zh-CN" sz="1600" b="1" dirty="0">
               <a:solidFill>
@@ -27919,7 +27284,7 @@
         </p:nvGrpSpPr>
         <p:grpSpPr>
           <a:xfrm>
-            <a:off x="1194672" y="2891781"/>
+            <a:off x="1194672" y="3945330"/>
             <a:ext cx="374477" cy="281039"/>
             <a:chOff x="789999" y="2242985"/>
             <a:chExt cx="504229" cy="378415"/>
@@ -28228,640 +27593,6 @@
           </p:txBody>
         </p:sp>
       </p:grpSp>
-      <p:grpSp>
-        <p:nvGrpSpPr>
-          <p:cNvPr id="34" name="Group 27"/>
-          <p:cNvGrpSpPr/>
-          <p:nvPr/>
-        </p:nvGrpSpPr>
-        <p:grpSpPr>
-          <a:xfrm>
-            <a:off x="1194672" y="3768192"/>
-            <a:ext cx="374477" cy="281039"/>
-            <a:chOff x="789999" y="2242985"/>
-            <a:chExt cx="504229" cy="378415"/>
-          </a:xfrm>
-        </p:grpSpPr>
-        <p:sp>
-          <p:nvSpPr>
-            <p:cNvPr id="35" name="Rectangle 28"/>
-            <p:cNvSpPr/>
-            <p:nvPr/>
-          </p:nvSpPr>
-          <p:spPr>
-            <a:xfrm>
-              <a:off x="858129" y="2299468"/>
-              <a:ext cx="436099" cy="321932"/>
-            </a:xfrm>
-            <a:prstGeom prst="rect">
-              <a:avLst/>
-            </a:prstGeom>
-            <a:solidFill>
-              <a:schemeClr val="tx2"/>
-            </a:solidFill>
-            <a:ln>
-              <a:noFill/>
-            </a:ln>
-          </p:spPr>
-          <p:style>
-            <a:lnRef idx="2">
-              <a:schemeClr val="accent1">
-                <a:shade val="50000"/>
-              </a:schemeClr>
-            </a:lnRef>
-            <a:fillRef idx="1">
-              <a:schemeClr val="accent1"/>
-            </a:fillRef>
-            <a:effectRef idx="0">
-              <a:schemeClr val="accent1"/>
-            </a:effectRef>
-            <a:fontRef idx="minor">
-              <a:schemeClr val="lt1"/>
-            </a:fontRef>
-          </p:style>
-          <p:txBody>
-            <a:bodyPr rtlCol="0" anchor="ctr"/>
-            <a:lstStyle>
-              <a:defPPr>
-                <a:defRPr lang="en-US"/>
-              </a:defPPr>
-              <a:lvl1pPr marL="0" algn="l" defTabSz="914400" rtl="0" eaLnBrk="1" latinLnBrk="0" hangingPunct="1">
-                <a:defRPr sz="1800" kern="1200">
-                  <a:solidFill>
-                    <a:schemeClr val="lt1"/>
-                  </a:solidFill>
-                  <a:latin typeface="+mn-lt"/>
-                  <a:ea typeface="+mn-ea"/>
-                  <a:cs typeface="+mn-cs"/>
-                </a:defRPr>
-              </a:lvl1pPr>
-              <a:lvl2pPr marL="457200" algn="l" defTabSz="914400" rtl="0" eaLnBrk="1" latinLnBrk="0" hangingPunct="1">
-                <a:defRPr sz="1800" kern="1200">
-                  <a:solidFill>
-                    <a:schemeClr val="lt1"/>
-                  </a:solidFill>
-                  <a:latin typeface="+mn-lt"/>
-                  <a:ea typeface="+mn-ea"/>
-                  <a:cs typeface="+mn-cs"/>
-                </a:defRPr>
-              </a:lvl2pPr>
-              <a:lvl3pPr marL="914400" algn="l" defTabSz="914400" rtl="0" eaLnBrk="1" latinLnBrk="0" hangingPunct="1">
-                <a:defRPr sz="1800" kern="1200">
-                  <a:solidFill>
-                    <a:schemeClr val="lt1"/>
-                  </a:solidFill>
-                  <a:latin typeface="+mn-lt"/>
-                  <a:ea typeface="+mn-ea"/>
-                  <a:cs typeface="+mn-cs"/>
-                </a:defRPr>
-              </a:lvl3pPr>
-              <a:lvl4pPr marL="1371600" algn="l" defTabSz="914400" rtl="0" eaLnBrk="1" latinLnBrk="0" hangingPunct="1">
-                <a:defRPr sz="1800" kern="1200">
-                  <a:solidFill>
-                    <a:schemeClr val="lt1"/>
-                  </a:solidFill>
-                  <a:latin typeface="+mn-lt"/>
-                  <a:ea typeface="+mn-ea"/>
-                  <a:cs typeface="+mn-cs"/>
-                </a:defRPr>
-              </a:lvl4pPr>
-              <a:lvl5pPr marL="1828800" algn="l" defTabSz="914400" rtl="0" eaLnBrk="1" latinLnBrk="0" hangingPunct="1">
-                <a:defRPr sz="1800" kern="1200">
-                  <a:solidFill>
-                    <a:schemeClr val="lt1"/>
-                  </a:solidFill>
-                  <a:latin typeface="+mn-lt"/>
-                  <a:ea typeface="+mn-ea"/>
-                  <a:cs typeface="+mn-cs"/>
-                </a:defRPr>
-              </a:lvl5pPr>
-              <a:lvl6pPr marL="2286000" algn="l" defTabSz="914400" rtl="0" eaLnBrk="1" latinLnBrk="0" hangingPunct="1">
-                <a:defRPr sz="1800" kern="1200">
-                  <a:solidFill>
-                    <a:schemeClr val="lt1"/>
-                  </a:solidFill>
-                  <a:latin typeface="+mn-lt"/>
-                  <a:ea typeface="+mn-ea"/>
-                  <a:cs typeface="+mn-cs"/>
-                </a:defRPr>
-              </a:lvl6pPr>
-              <a:lvl7pPr marL="2743200" algn="l" defTabSz="914400" rtl="0" eaLnBrk="1" latinLnBrk="0" hangingPunct="1">
-                <a:defRPr sz="1800" kern="1200">
-                  <a:solidFill>
-                    <a:schemeClr val="lt1"/>
-                  </a:solidFill>
-                  <a:latin typeface="+mn-lt"/>
-                  <a:ea typeface="+mn-ea"/>
-                  <a:cs typeface="+mn-cs"/>
-                </a:defRPr>
-              </a:lvl7pPr>
-              <a:lvl8pPr marL="3200400" algn="l" defTabSz="914400" rtl="0" eaLnBrk="1" latinLnBrk="0" hangingPunct="1">
-                <a:defRPr sz="1800" kern="1200">
-                  <a:solidFill>
-                    <a:schemeClr val="lt1"/>
-                  </a:solidFill>
-                  <a:latin typeface="+mn-lt"/>
-                  <a:ea typeface="+mn-ea"/>
-                  <a:cs typeface="+mn-cs"/>
-                </a:defRPr>
-              </a:lvl8pPr>
-              <a:lvl9pPr marL="3657600" algn="l" defTabSz="914400" rtl="0" eaLnBrk="1" latinLnBrk="0" hangingPunct="1">
-                <a:defRPr sz="1800" kern="1200">
-                  <a:solidFill>
-                    <a:schemeClr val="lt1"/>
-                  </a:solidFill>
-                  <a:latin typeface="+mn-lt"/>
-                  <a:ea typeface="+mn-ea"/>
-                  <a:cs typeface="+mn-cs"/>
-                </a:defRPr>
-              </a:lvl9pPr>
-            </a:lstStyle>
-            <a:p>
-              <a:pPr algn="ctr">
-                <a:lnSpc>
-                  <a:spcPts val="1500"/>
-                </a:lnSpc>
-              </a:pPr>
-              <a:endParaRPr lang="en-GB" sz="1200">
-                <a:solidFill>
-                  <a:prstClr val="white"/>
-                </a:solidFill>
-                <a:latin typeface="Arial" panose="020B0604020202020204" pitchFamily="34" charset="0"/>
-                <a:ea typeface="微软雅黑" panose="020B0503020204020204" pitchFamily="34" charset="-122"/>
-                <a:cs typeface="Arial" panose="020B0604020202020204" pitchFamily="34" charset="0"/>
-              </a:endParaRPr>
-            </a:p>
-          </p:txBody>
-        </p:sp>
-        <p:sp>
-          <p:nvSpPr>
-            <p:cNvPr id="36" name="Rectangle 29"/>
-            <p:cNvSpPr/>
-            <p:nvPr/>
-          </p:nvSpPr>
-          <p:spPr>
-            <a:xfrm>
-              <a:off x="789999" y="2242985"/>
-              <a:ext cx="436099" cy="321932"/>
-            </a:xfrm>
-            <a:prstGeom prst="rect">
-              <a:avLst/>
-            </a:prstGeom>
-            <a:solidFill>
-              <a:schemeClr val="accent3"/>
-            </a:solidFill>
-            <a:ln>
-              <a:noFill/>
-            </a:ln>
-          </p:spPr>
-          <p:style>
-            <a:lnRef idx="2">
-              <a:schemeClr val="accent1">
-                <a:shade val="50000"/>
-              </a:schemeClr>
-            </a:lnRef>
-            <a:fillRef idx="1">
-              <a:schemeClr val="accent1"/>
-            </a:fillRef>
-            <a:effectRef idx="0">
-              <a:schemeClr val="accent1"/>
-            </a:effectRef>
-            <a:fontRef idx="minor">
-              <a:schemeClr val="lt1"/>
-            </a:fontRef>
-          </p:style>
-          <p:txBody>
-            <a:bodyPr rtlCol="0" anchor="ctr"/>
-            <a:lstStyle>
-              <a:defPPr>
-                <a:defRPr lang="en-US"/>
-              </a:defPPr>
-              <a:lvl1pPr marL="0" algn="l" defTabSz="914400" rtl="0" eaLnBrk="1" latinLnBrk="0" hangingPunct="1">
-                <a:defRPr sz="1800" kern="1200">
-                  <a:solidFill>
-                    <a:schemeClr val="lt1"/>
-                  </a:solidFill>
-                  <a:latin typeface="+mn-lt"/>
-                  <a:ea typeface="+mn-ea"/>
-                  <a:cs typeface="+mn-cs"/>
-                </a:defRPr>
-              </a:lvl1pPr>
-              <a:lvl2pPr marL="457200" algn="l" defTabSz="914400" rtl="0" eaLnBrk="1" latinLnBrk="0" hangingPunct="1">
-                <a:defRPr sz="1800" kern="1200">
-                  <a:solidFill>
-                    <a:schemeClr val="lt1"/>
-                  </a:solidFill>
-                  <a:latin typeface="+mn-lt"/>
-                  <a:ea typeface="+mn-ea"/>
-                  <a:cs typeface="+mn-cs"/>
-                </a:defRPr>
-              </a:lvl2pPr>
-              <a:lvl3pPr marL="914400" algn="l" defTabSz="914400" rtl="0" eaLnBrk="1" latinLnBrk="0" hangingPunct="1">
-                <a:defRPr sz="1800" kern="1200">
-                  <a:solidFill>
-                    <a:schemeClr val="lt1"/>
-                  </a:solidFill>
-                  <a:latin typeface="+mn-lt"/>
-                  <a:ea typeface="+mn-ea"/>
-                  <a:cs typeface="+mn-cs"/>
-                </a:defRPr>
-              </a:lvl3pPr>
-              <a:lvl4pPr marL="1371600" algn="l" defTabSz="914400" rtl="0" eaLnBrk="1" latinLnBrk="0" hangingPunct="1">
-                <a:defRPr sz="1800" kern="1200">
-                  <a:solidFill>
-                    <a:schemeClr val="lt1"/>
-                  </a:solidFill>
-                  <a:latin typeface="+mn-lt"/>
-                  <a:ea typeface="+mn-ea"/>
-                  <a:cs typeface="+mn-cs"/>
-                </a:defRPr>
-              </a:lvl4pPr>
-              <a:lvl5pPr marL="1828800" algn="l" defTabSz="914400" rtl="0" eaLnBrk="1" latinLnBrk="0" hangingPunct="1">
-                <a:defRPr sz="1800" kern="1200">
-                  <a:solidFill>
-                    <a:schemeClr val="lt1"/>
-                  </a:solidFill>
-                  <a:latin typeface="+mn-lt"/>
-                  <a:ea typeface="+mn-ea"/>
-                  <a:cs typeface="+mn-cs"/>
-                </a:defRPr>
-              </a:lvl5pPr>
-              <a:lvl6pPr marL="2286000" algn="l" defTabSz="914400" rtl="0" eaLnBrk="1" latinLnBrk="0" hangingPunct="1">
-                <a:defRPr sz="1800" kern="1200">
-                  <a:solidFill>
-                    <a:schemeClr val="lt1"/>
-                  </a:solidFill>
-                  <a:latin typeface="+mn-lt"/>
-                  <a:ea typeface="+mn-ea"/>
-                  <a:cs typeface="+mn-cs"/>
-                </a:defRPr>
-              </a:lvl6pPr>
-              <a:lvl7pPr marL="2743200" algn="l" defTabSz="914400" rtl="0" eaLnBrk="1" latinLnBrk="0" hangingPunct="1">
-                <a:defRPr sz="1800" kern="1200">
-                  <a:solidFill>
-                    <a:schemeClr val="lt1"/>
-                  </a:solidFill>
-                  <a:latin typeface="+mn-lt"/>
-                  <a:ea typeface="+mn-ea"/>
-                  <a:cs typeface="+mn-cs"/>
-                </a:defRPr>
-              </a:lvl7pPr>
-              <a:lvl8pPr marL="3200400" algn="l" defTabSz="914400" rtl="0" eaLnBrk="1" latinLnBrk="0" hangingPunct="1">
-                <a:defRPr sz="1800" kern="1200">
-                  <a:solidFill>
-                    <a:schemeClr val="lt1"/>
-                  </a:solidFill>
-                  <a:latin typeface="+mn-lt"/>
-                  <a:ea typeface="+mn-ea"/>
-                  <a:cs typeface="+mn-cs"/>
-                </a:defRPr>
-              </a:lvl8pPr>
-              <a:lvl9pPr marL="3657600" algn="l" defTabSz="914400" rtl="0" eaLnBrk="1" latinLnBrk="0" hangingPunct="1">
-                <a:defRPr sz="1800" kern="1200">
-                  <a:solidFill>
-                    <a:schemeClr val="lt1"/>
-                  </a:solidFill>
-                  <a:latin typeface="+mn-lt"/>
-                  <a:ea typeface="+mn-ea"/>
-                  <a:cs typeface="+mn-cs"/>
-                </a:defRPr>
-              </a:lvl9pPr>
-            </a:lstStyle>
-            <a:p>
-              <a:pPr algn="ctr">
-                <a:lnSpc>
-                  <a:spcPts val="1500"/>
-                </a:lnSpc>
-              </a:pPr>
-              <a:endParaRPr lang="en-GB" sz="1200">
-                <a:solidFill>
-                  <a:prstClr val="white"/>
-                </a:solidFill>
-                <a:latin typeface="Arial" panose="020B0604020202020204" pitchFamily="34" charset="0"/>
-                <a:ea typeface="微软雅黑" panose="020B0503020204020204" pitchFamily="34" charset="-122"/>
-                <a:cs typeface="Arial" panose="020B0604020202020204" pitchFamily="34" charset="0"/>
-              </a:endParaRPr>
-            </a:p>
-          </p:txBody>
-        </p:sp>
-      </p:grpSp>
-      <p:grpSp>
-        <p:nvGrpSpPr>
-          <p:cNvPr id="37" name="Group 31"/>
-          <p:cNvGrpSpPr/>
-          <p:nvPr/>
-        </p:nvGrpSpPr>
-        <p:grpSpPr>
-          <a:xfrm>
-            <a:off x="1194672" y="4606618"/>
-            <a:ext cx="374477" cy="281039"/>
-            <a:chOff x="789999" y="2242985"/>
-            <a:chExt cx="504229" cy="378415"/>
-          </a:xfrm>
-        </p:grpSpPr>
-        <p:sp>
-          <p:nvSpPr>
-            <p:cNvPr id="38" name="Rectangle 32"/>
-            <p:cNvSpPr/>
-            <p:nvPr/>
-          </p:nvSpPr>
-          <p:spPr>
-            <a:xfrm>
-              <a:off x="858129" y="2299468"/>
-              <a:ext cx="436099" cy="321932"/>
-            </a:xfrm>
-            <a:prstGeom prst="rect">
-              <a:avLst/>
-            </a:prstGeom>
-            <a:solidFill>
-              <a:schemeClr val="tx2"/>
-            </a:solidFill>
-            <a:ln>
-              <a:noFill/>
-            </a:ln>
-          </p:spPr>
-          <p:style>
-            <a:lnRef idx="2">
-              <a:schemeClr val="accent1">
-                <a:shade val="50000"/>
-              </a:schemeClr>
-            </a:lnRef>
-            <a:fillRef idx="1">
-              <a:schemeClr val="accent1"/>
-            </a:fillRef>
-            <a:effectRef idx="0">
-              <a:schemeClr val="accent1"/>
-            </a:effectRef>
-            <a:fontRef idx="minor">
-              <a:schemeClr val="lt1"/>
-            </a:fontRef>
-          </p:style>
-          <p:txBody>
-            <a:bodyPr rtlCol="0" anchor="ctr"/>
-            <a:lstStyle>
-              <a:defPPr>
-                <a:defRPr lang="en-US"/>
-              </a:defPPr>
-              <a:lvl1pPr marL="0" algn="l" defTabSz="914400" rtl="0" eaLnBrk="1" latinLnBrk="0" hangingPunct="1">
-                <a:defRPr sz="1800" kern="1200">
-                  <a:solidFill>
-                    <a:schemeClr val="lt1"/>
-                  </a:solidFill>
-                  <a:latin typeface="+mn-lt"/>
-                  <a:ea typeface="+mn-ea"/>
-                  <a:cs typeface="+mn-cs"/>
-                </a:defRPr>
-              </a:lvl1pPr>
-              <a:lvl2pPr marL="457200" algn="l" defTabSz="914400" rtl="0" eaLnBrk="1" latinLnBrk="0" hangingPunct="1">
-                <a:defRPr sz="1800" kern="1200">
-                  <a:solidFill>
-                    <a:schemeClr val="lt1"/>
-                  </a:solidFill>
-                  <a:latin typeface="+mn-lt"/>
-                  <a:ea typeface="+mn-ea"/>
-                  <a:cs typeface="+mn-cs"/>
-                </a:defRPr>
-              </a:lvl2pPr>
-              <a:lvl3pPr marL="914400" algn="l" defTabSz="914400" rtl="0" eaLnBrk="1" latinLnBrk="0" hangingPunct="1">
-                <a:defRPr sz="1800" kern="1200">
-                  <a:solidFill>
-                    <a:schemeClr val="lt1"/>
-                  </a:solidFill>
-                  <a:latin typeface="+mn-lt"/>
-                  <a:ea typeface="+mn-ea"/>
-                  <a:cs typeface="+mn-cs"/>
-                </a:defRPr>
-              </a:lvl3pPr>
-              <a:lvl4pPr marL="1371600" algn="l" defTabSz="914400" rtl="0" eaLnBrk="1" latinLnBrk="0" hangingPunct="1">
-                <a:defRPr sz="1800" kern="1200">
-                  <a:solidFill>
-                    <a:schemeClr val="lt1"/>
-                  </a:solidFill>
-                  <a:latin typeface="+mn-lt"/>
-                  <a:ea typeface="+mn-ea"/>
-                  <a:cs typeface="+mn-cs"/>
-                </a:defRPr>
-              </a:lvl4pPr>
-              <a:lvl5pPr marL="1828800" algn="l" defTabSz="914400" rtl="0" eaLnBrk="1" latinLnBrk="0" hangingPunct="1">
-                <a:defRPr sz="1800" kern="1200">
-                  <a:solidFill>
-                    <a:schemeClr val="lt1"/>
-                  </a:solidFill>
-                  <a:latin typeface="+mn-lt"/>
-                  <a:ea typeface="+mn-ea"/>
-                  <a:cs typeface="+mn-cs"/>
-                </a:defRPr>
-              </a:lvl5pPr>
-              <a:lvl6pPr marL="2286000" algn="l" defTabSz="914400" rtl="0" eaLnBrk="1" latinLnBrk="0" hangingPunct="1">
-                <a:defRPr sz="1800" kern="1200">
-                  <a:solidFill>
-                    <a:schemeClr val="lt1"/>
-                  </a:solidFill>
-                  <a:latin typeface="+mn-lt"/>
-                  <a:ea typeface="+mn-ea"/>
-                  <a:cs typeface="+mn-cs"/>
-                </a:defRPr>
-              </a:lvl6pPr>
-              <a:lvl7pPr marL="2743200" algn="l" defTabSz="914400" rtl="0" eaLnBrk="1" latinLnBrk="0" hangingPunct="1">
-                <a:defRPr sz="1800" kern="1200">
-                  <a:solidFill>
-                    <a:schemeClr val="lt1"/>
-                  </a:solidFill>
-                  <a:latin typeface="+mn-lt"/>
-                  <a:ea typeface="+mn-ea"/>
-                  <a:cs typeface="+mn-cs"/>
-                </a:defRPr>
-              </a:lvl7pPr>
-              <a:lvl8pPr marL="3200400" algn="l" defTabSz="914400" rtl="0" eaLnBrk="1" latinLnBrk="0" hangingPunct="1">
-                <a:defRPr sz="1800" kern="1200">
-                  <a:solidFill>
-                    <a:schemeClr val="lt1"/>
-                  </a:solidFill>
-                  <a:latin typeface="+mn-lt"/>
-                  <a:ea typeface="+mn-ea"/>
-                  <a:cs typeface="+mn-cs"/>
-                </a:defRPr>
-              </a:lvl8pPr>
-              <a:lvl9pPr marL="3657600" algn="l" defTabSz="914400" rtl="0" eaLnBrk="1" latinLnBrk="0" hangingPunct="1">
-                <a:defRPr sz="1800" kern="1200">
-                  <a:solidFill>
-                    <a:schemeClr val="lt1"/>
-                  </a:solidFill>
-                  <a:latin typeface="+mn-lt"/>
-                  <a:ea typeface="+mn-ea"/>
-                  <a:cs typeface="+mn-cs"/>
-                </a:defRPr>
-              </a:lvl9pPr>
-            </a:lstStyle>
-            <a:p>
-              <a:pPr algn="ctr">
-                <a:lnSpc>
-                  <a:spcPts val="1500"/>
-                </a:lnSpc>
-              </a:pPr>
-              <a:endParaRPr lang="en-GB" sz="1200">
-                <a:solidFill>
-                  <a:prstClr val="white"/>
-                </a:solidFill>
-                <a:latin typeface="Arial" panose="020B0604020202020204" pitchFamily="34" charset="0"/>
-                <a:ea typeface="微软雅黑" panose="020B0503020204020204" pitchFamily="34" charset="-122"/>
-                <a:cs typeface="Arial" panose="020B0604020202020204" pitchFamily="34" charset="0"/>
-              </a:endParaRPr>
-            </a:p>
-          </p:txBody>
-        </p:sp>
-        <p:sp>
-          <p:nvSpPr>
-            <p:cNvPr id="39" name="Rectangle 33"/>
-            <p:cNvSpPr/>
-            <p:nvPr/>
-          </p:nvSpPr>
-          <p:spPr>
-            <a:xfrm>
-              <a:off x="789999" y="2242985"/>
-              <a:ext cx="436099" cy="321932"/>
-            </a:xfrm>
-            <a:prstGeom prst="rect">
-              <a:avLst/>
-            </a:prstGeom>
-            <a:solidFill>
-              <a:schemeClr val="accent4"/>
-            </a:solidFill>
-            <a:ln>
-              <a:noFill/>
-            </a:ln>
-          </p:spPr>
-          <p:style>
-            <a:lnRef idx="2">
-              <a:schemeClr val="accent1">
-                <a:shade val="50000"/>
-              </a:schemeClr>
-            </a:lnRef>
-            <a:fillRef idx="1">
-              <a:schemeClr val="accent1"/>
-            </a:fillRef>
-            <a:effectRef idx="0">
-              <a:schemeClr val="accent1"/>
-            </a:effectRef>
-            <a:fontRef idx="minor">
-              <a:schemeClr val="lt1"/>
-            </a:fontRef>
-          </p:style>
-          <p:txBody>
-            <a:bodyPr rtlCol="0" anchor="ctr"/>
-            <a:lstStyle>
-              <a:defPPr>
-                <a:defRPr lang="en-US"/>
-              </a:defPPr>
-              <a:lvl1pPr marL="0" algn="l" defTabSz="914400" rtl="0" eaLnBrk="1" latinLnBrk="0" hangingPunct="1">
-                <a:defRPr sz="1800" kern="1200">
-                  <a:solidFill>
-                    <a:schemeClr val="lt1"/>
-                  </a:solidFill>
-                  <a:latin typeface="+mn-lt"/>
-                  <a:ea typeface="+mn-ea"/>
-                  <a:cs typeface="+mn-cs"/>
-                </a:defRPr>
-              </a:lvl1pPr>
-              <a:lvl2pPr marL="457200" algn="l" defTabSz="914400" rtl="0" eaLnBrk="1" latinLnBrk="0" hangingPunct="1">
-                <a:defRPr sz="1800" kern="1200">
-                  <a:solidFill>
-                    <a:schemeClr val="lt1"/>
-                  </a:solidFill>
-                  <a:latin typeface="+mn-lt"/>
-                  <a:ea typeface="+mn-ea"/>
-                  <a:cs typeface="+mn-cs"/>
-                </a:defRPr>
-              </a:lvl2pPr>
-              <a:lvl3pPr marL="914400" algn="l" defTabSz="914400" rtl="0" eaLnBrk="1" latinLnBrk="0" hangingPunct="1">
-                <a:defRPr sz="1800" kern="1200">
-                  <a:solidFill>
-                    <a:schemeClr val="lt1"/>
-                  </a:solidFill>
-                  <a:latin typeface="+mn-lt"/>
-                  <a:ea typeface="+mn-ea"/>
-                  <a:cs typeface="+mn-cs"/>
-                </a:defRPr>
-              </a:lvl3pPr>
-              <a:lvl4pPr marL="1371600" algn="l" defTabSz="914400" rtl="0" eaLnBrk="1" latinLnBrk="0" hangingPunct="1">
-                <a:defRPr sz="1800" kern="1200">
-                  <a:solidFill>
-                    <a:schemeClr val="lt1"/>
-                  </a:solidFill>
-                  <a:latin typeface="+mn-lt"/>
-                  <a:ea typeface="+mn-ea"/>
-                  <a:cs typeface="+mn-cs"/>
-                </a:defRPr>
-              </a:lvl4pPr>
-              <a:lvl5pPr marL="1828800" algn="l" defTabSz="914400" rtl="0" eaLnBrk="1" latinLnBrk="0" hangingPunct="1">
-                <a:defRPr sz="1800" kern="1200">
-                  <a:solidFill>
-                    <a:schemeClr val="lt1"/>
-                  </a:solidFill>
-                  <a:latin typeface="+mn-lt"/>
-                  <a:ea typeface="+mn-ea"/>
-                  <a:cs typeface="+mn-cs"/>
-                </a:defRPr>
-              </a:lvl5pPr>
-              <a:lvl6pPr marL="2286000" algn="l" defTabSz="914400" rtl="0" eaLnBrk="1" latinLnBrk="0" hangingPunct="1">
-                <a:defRPr sz="1800" kern="1200">
-                  <a:solidFill>
-                    <a:schemeClr val="lt1"/>
-                  </a:solidFill>
-                  <a:latin typeface="+mn-lt"/>
-                  <a:ea typeface="+mn-ea"/>
-                  <a:cs typeface="+mn-cs"/>
-                </a:defRPr>
-              </a:lvl6pPr>
-              <a:lvl7pPr marL="2743200" algn="l" defTabSz="914400" rtl="0" eaLnBrk="1" latinLnBrk="0" hangingPunct="1">
-                <a:defRPr sz="1800" kern="1200">
-                  <a:solidFill>
-                    <a:schemeClr val="lt1"/>
-                  </a:solidFill>
-                  <a:latin typeface="+mn-lt"/>
-                  <a:ea typeface="+mn-ea"/>
-                  <a:cs typeface="+mn-cs"/>
-                </a:defRPr>
-              </a:lvl7pPr>
-              <a:lvl8pPr marL="3200400" algn="l" defTabSz="914400" rtl="0" eaLnBrk="1" latinLnBrk="0" hangingPunct="1">
-                <a:defRPr sz="1800" kern="1200">
-                  <a:solidFill>
-                    <a:schemeClr val="lt1"/>
-                  </a:solidFill>
-                  <a:latin typeface="+mn-lt"/>
-                  <a:ea typeface="+mn-ea"/>
-                  <a:cs typeface="+mn-cs"/>
-                </a:defRPr>
-              </a:lvl8pPr>
-              <a:lvl9pPr marL="3657600" algn="l" defTabSz="914400" rtl="0" eaLnBrk="1" latinLnBrk="0" hangingPunct="1">
-                <a:defRPr sz="1800" kern="1200">
-                  <a:solidFill>
-                    <a:schemeClr val="lt1"/>
-                  </a:solidFill>
-                  <a:latin typeface="+mn-lt"/>
-                  <a:ea typeface="+mn-ea"/>
-                  <a:cs typeface="+mn-cs"/>
-                </a:defRPr>
-              </a:lvl9pPr>
-            </a:lstStyle>
-            <a:p>
-              <a:pPr algn="ctr">
-                <a:lnSpc>
-                  <a:spcPts val="1500"/>
-                </a:lnSpc>
-              </a:pPr>
-              <a:endParaRPr lang="en-GB" sz="1200">
-                <a:solidFill>
-                  <a:prstClr val="white"/>
-                </a:solidFill>
-                <a:latin typeface="Arial" panose="020B0604020202020204" pitchFamily="34" charset="0"/>
-                <a:ea typeface="微软雅黑" panose="020B0503020204020204" pitchFamily="34" charset="-122"/>
-                <a:cs typeface="Arial" panose="020B0604020202020204" pitchFamily="34" charset="0"/>
-              </a:endParaRPr>
-            </a:p>
-          </p:txBody>
-        </p:sp>
-      </p:grpSp>
       <p:sp>
         <p:nvSpPr>
           <p:cNvPr id="40" name="矩形 39"/>
@@ -28872,7 +27603,7 @@
         </p:nvSpPr>
         <p:spPr bwMode="auto">
           <a:xfrm>
-            <a:off x="1971052" y="2917516"/>
+            <a:off x="1971052" y="3971065"/>
             <a:ext cx="3299568" cy="285463"/>
           </a:xfrm>
           <a:prstGeom prst="rect">
@@ -28921,149 +27652,7 @@
                 <a:latin typeface="微软雅黑" panose="020B0503020204020204" pitchFamily="34" charset="-122"/>
                 <a:ea typeface="微软雅黑" panose="020B0503020204020204" pitchFamily="34" charset="-122"/>
               </a:rPr>
-              <a:t>知识点二  修改邮箱</a:t>
-            </a:r>
-            <a:endParaRPr lang="en-US" altLang="zh-CN" sz="1600" b="1" dirty="0">
-              <a:solidFill>
-                <a:srgbClr val="784B23"/>
-              </a:solidFill>
-              <a:latin typeface="微软雅黑" panose="020B0503020204020204" pitchFamily="34" charset="-122"/>
-              <a:ea typeface="微软雅黑" panose="020B0503020204020204" pitchFamily="34" charset="-122"/>
-            </a:endParaRPr>
-          </a:p>
-        </p:txBody>
-      </p:sp>
-      <p:sp>
-        <p:nvSpPr>
-          <p:cNvPr id="41" name="矩形 40"/>
-          <p:cNvSpPr>
-            <a:spLocks noChangeArrowheads="1"/>
-          </p:cNvSpPr>
-          <p:nvPr/>
-        </p:nvSpPr>
-        <p:spPr bwMode="auto">
-          <a:xfrm>
-            <a:off x="1971052" y="3786953"/>
-            <a:ext cx="3299568" cy="285463"/>
-          </a:xfrm>
-          <a:prstGeom prst="rect">
-            <a:avLst/>
-          </a:prstGeom>
-          <a:noFill/>
-          <a:ln>
-            <a:noFill/>
-          </a:ln>
-          <a:extLst>
-            <a:ext uri="{909E8E84-426E-40DD-AFC4-6F175D3DCCD1}">
-              <a14:hiddenFill xmlns:a14="http://schemas.microsoft.com/office/drawing/2010/main">
-                <a:solidFill>
-                  <a:srgbClr val="FFFFFF"/>
-                </a:solidFill>
-              </a14:hiddenFill>
-            </a:ext>
-            <a:ext uri="{91240B29-F687-4F45-9708-019B960494DF}">
-              <a14:hiddenLine xmlns:a14="http://schemas.microsoft.com/office/drawing/2010/main" w="9525">
-                <a:solidFill>
-                  <a:srgbClr val="000000"/>
-                </a:solidFill>
-                <a:miter lim="800000"/>
-                <a:headEnd/>
-                <a:tailEnd/>
-              </a14:hiddenLine>
-            </a:ext>
-          </a:extLst>
-        </p:spPr>
-        <p:txBody>
-          <a:bodyPr wrap="square">
-            <a:spAutoFit/>
-          </a:bodyPr>
-          <a:lstStyle/>
-          <a:p>
-            <a:pPr>
-              <a:lnSpc>
-                <a:spcPts val="1500"/>
-              </a:lnSpc>
-            </a:pPr>
-            <a:r>
-              <a:rPr lang="zh-CN" altLang="en-US" sz="1600" b="1" dirty="0">
-                <a:solidFill>
-                  <a:srgbClr val="784B23"/>
-                </a:solidFill>
-                <a:latin typeface="微软雅黑" panose="020B0503020204020204" pitchFamily="34" charset="-122"/>
-                <a:ea typeface="微软雅黑" panose="020B0503020204020204" pitchFamily="34" charset="-122"/>
-              </a:rPr>
-              <a:t>知识点三</a:t>
-            </a:r>
-            <a:endParaRPr lang="en-US" altLang="zh-CN" sz="1600" b="1" dirty="0">
-              <a:solidFill>
-                <a:srgbClr val="784B23"/>
-              </a:solidFill>
-              <a:latin typeface="微软雅黑" panose="020B0503020204020204" pitchFamily="34" charset="-122"/>
-              <a:ea typeface="微软雅黑" panose="020B0503020204020204" pitchFamily="34" charset="-122"/>
-            </a:endParaRPr>
-          </a:p>
-        </p:txBody>
-      </p:sp>
-      <p:sp>
-        <p:nvSpPr>
-          <p:cNvPr id="42" name="矩形 41"/>
-          <p:cNvSpPr>
-            <a:spLocks noChangeArrowheads="1"/>
-          </p:cNvSpPr>
-          <p:nvPr/>
-        </p:nvSpPr>
-        <p:spPr bwMode="auto">
-          <a:xfrm>
-            <a:off x="1971052" y="4583431"/>
-            <a:ext cx="3299568" cy="285463"/>
-          </a:xfrm>
-          <a:prstGeom prst="rect">
-            <a:avLst/>
-          </a:prstGeom>
-          <a:noFill/>
-          <a:ln>
-            <a:noFill/>
-          </a:ln>
-          <a:extLst>
-            <a:ext uri="{909E8E84-426E-40DD-AFC4-6F175D3DCCD1}">
-              <a14:hiddenFill xmlns:a14="http://schemas.microsoft.com/office/drawing/2010/main">
-                <a:solidFill>
-                  <a:srgbClr val="FFFFFF"/>
-                </a:solidFill>
-              </a14:hiddenFill>
-            </a:ext>
-            <a:ext uri="{91240B29-F687-4F45-9708-019B960494DF}">
-              <a14:hiddenLine xmlns:a14="http://schemas.microsoft.com/office/drawing/2010/main" w="9525">
-                <a:solidFill>
-                  <a:srgbClr val="000000"/>
-                </a:solidFill>
-                <a:miter lim="800000"/>
-                <a:headEnd/>
-                <a:tailEnd/>
-              </a14:hiddenLine>
-            </a:ext>
-          </a:extLst>
-        </p:spPr>
-        <p:txBody>
-          <a:bodyPr wrap="square">
-            <a:spAutoFit/>
-          </a:bodyPr>
-          <a:lstStyle/>
-          <a:p>
-            <a:pPr>
-              <a:lnSpc>
-                <a:spcPts val="1500"/>
-              </a:lnSpc>
-            </a:pPr>
-            <a:r>
-              <a:rPr lang="zh-CN" altLang="en-US" sz="1600" b="1" dirty="0">
-                <a:solidFill>
-                  <a:srgbClr val="784B23"/>
-                </a:solidFill>
-                <a:latin typeface="微软雅黑" panose="020B0503020204020204" pitchFamily="34" charset="-122"/>
-                <a:ea typeface="微软雅黑" panose="020B0503020204020204" pitchFamily="34" charset="-122"/>
-              </a:rPr>
-              <a:t>知识点四  </a:t>
+              <a:t>知识点二  进行攻击</a:t>
             </a:r>
             <a:endParaRPr lang="en-US" altLang="zh-CN" sz="1600" b="1" dirty="0">
               <a:solidFill>
@@ -29295,7 +27884,7 @@
                                           </p:stCondLst>
                                         </p:cTn>
                                         <p:tgtEl>
-                                          <p:spTgt spid="37"/>
+                                          <p:spTgt spid="31"/>
                                         </p:tgtEl>
                                         <p:attrNameLst>
                                           <p:attrName>style.visibility</p:attrName>
@@ -29309,7 +27898,7 @@
                                       <p:cBhvr>
                                         <p:cTn id="21" dur="500"/>
                                         <p:tgtEl>
-                                          <p:spTgt spid="37"/>
+                                          <p:spTgt spid="31"/>
                                         </p:tgtEl>
                                       </p:cBhvr>
                                     </p:animEffect>
@@ -29339,7 +27928,7 @@
                                           </p:stCondLst>
                                         </p:cTn>
                                         <p:tgtEl>
-                                          <p:spTgt spid="42"/>
+                                          <p:spTgt spid="40"/>
                                         </p:tgtEl>
                                         <p:attrNameLst>
                                           <p:attrName>style.visibility</p:attrName>
@@ -29353,7 +27942,7 @@
                                       <p:cBhvr>
                                         <p:cTn id="25" dur="500"/>
                                         <p:tgtEl>
-                                          <p:spTgt spid="42"/>
+                                          <p:spTgt spid="40"/>
                                         </p:tgtEl>
                                       </p:cBhvr>
                                     </p:animEffect>
@@ -29383,7 +27972,7 @@
                                           </p:stCondLst>
                                         </p:cTn>
                                         <p:tgtEl>
-                                          <p:spTgt spid="34"/>
+                                          <p:spTgt spid="27"/>
                                         </p:tgtEl>
                                         <p:attrNameLst>
                                           <p:attrName>style.visibility</p:attrName>
@@ -29397,7 +27986,7 @@
                                       <p:cBhvr>
                                         <p:cTn id="29" dur="500"/>
                                         <p:tgtEl>
-                                          <p:spTgt spid="34"/>
+                                          <p:spTgt spid="27"/>
                                         </p:tgtEl>
                                       </p:cBhvr>
                                     </p:animEffect>
@@ -29427,7 +28016,7 @@
                                           </p:stCondLst>
                                         </p:cTn>
                                         <p:tgtEl>
-                                          <p:spTgt spid="41"/>
+                                          <p:spTgt spid="30"/>
                                         </p:tgtEl>
                                         <p:attrNameLst>
                                           <p:attrName>style.visibility</p:attrName>
@@ -29440,182 +28029,6 @@
                                     <p:animEffect transition="in" filter="wipe(right)">
                                       <p:cBhvr>
                                         <p:cTn id="33" dur="500"/>
-                                        <p:tgtEl>
-                                          <p:spTgt spid="41"/>
-                                        </p:tgtEl>
-                                      </p:cBhvr>
-                                    </p:animEffect>
-                                  </p:childTnLst>
-                                </p:cTn>
-                              </p:par>
-                            </p:childTnLst>
-                          </p:cTn>
-                        </p:par>
-                        <p:par>
-                          <p:cTn id="34" fill="hold">
-                            <p:stCondLst>
-                              <p:cond delay="4500"/>
-                            </p:stCondLst>
-                            <p:childTnLst>
-                              <p:par>
-                                <p:cTn id="35" presetID="22" presetClass="entr" presetSubtype="2" fill="hold" nodeType="afterEffect">
-                                  <p:stCondLst>
-                                    <p:cond delay="0"/>
-                                  </p:stCondLst>
-                                  <p:childTnLst>
-                                    <p:set>
-                                      <p:cBhvr>
-                                        <p:cTn id="36" dur="1" fill="hold">
-                                          <p:stCondLst>
-                                            <p:cond delay="0"/>
-                                          </p:stCondLst>
-                                        </p:cTn>
-                                        <p:tgtEl>
-                                          <p:spTgt spid="31"/>
-                                        </p:tgtEl>
-                                        <p:attrNameLst>
-                                          <p:attrName>style.visibility</p:attrName>
-                                        </p:attrNameLst>
-                                      </p:cBhvr>
-                                      <p:to>
-                                        <p:strVal val="visible"/>
-                                      </p:to>
-                                    </p:set>
-                                    <p:animEffect transition="in" filter="wipe(right)">
-                                      <p:cBhvr>
-                                        <p:cTn id="37" dur="500"/>
-                                        <p:tgtEl>
-                                          <p:spTgt spid="31"/>
-                                        </p:tgtEl>
-                                      </p:cBhvr>
-                                    </p:animEffect>
-                                  </p:childTnLst>
-                                </p:cTn>
-                              </p:par>
-                            </p:childTnLst>
-                          </p:cTn>
-                        </p:par>
-                        <p:par>
-                          <p:cTn id="38" fill="hold">
-                            <p:stCondLst>
-                              <p:cond delay="5000"/>
-                            </p:stCondLst>
-                            <p:childTnLst>
-                              <p:par>
-                                <p:cTn id="39" presetID="22" presetClass="entr" presetSubtype="2" fill="hold" grpId="0" nodeType="afterEffect">
-                                  <p:stCondLst>
-                                    <p:cond delay="0"/>
-                                  </p:stCondLst>
-                                  <p:childTnLst>
-                                    <p:set>
-                                      <p:cBhvr>
-                                        <p:cTn id="40" dur="1" fill="hold">
-                                          <p:stCondLst>
-                                            <p:cond delay="0"/>
-                                          </p:stCondLst>
-                                        </p:cTn>
-                                        <p:tgtEl>
-                                          <p:spTgt spid="40"/>
-                                        </p:tgtEl>
-                                        <p:attrNameLst>
-                                          <p:attrName>style.visibility</p:attrName>
-                                        </p:attrNameLst>
-                                      </p:cBhvr>
-                                      <p:to>
-                                        <p:strVal val="visible"/>
-                                      </p:to>
-                                    </p:set>
-                                    <p:animEffect transition="in" filter="wipe(right)">
-                                      <p:cBhvr>
-                                        <p:cTn id="41" dur="500"/>
-                                        <p:tgtEl>
-                                          <p:spTgt spid="40"/>
-                                        </p:tgtEl>
-                                      </p:cBhvr>
-                                    </p:animEffect>
-                                  </p:childTnLst>
-                                </p:cTn>
-                              </p:par>
-                            </p:childTnLst>
-                          </p:cTn>
-                        </p:par>
-                        <p:par>
-                          <p:cTn id="42" fill="hold">
-                            <p:stCondLst>
-                              <p:cond delay="5500"/>
-                            </p:stCondLst>
-                            <p:childTnLst>
-                              <p:par>
-                                <p:cTn id="43" presetID="22" presetClass="entr" presetSubtype="2" fill="hold" nodeType="afterEffect">
-                                  <p:stCondLst>
-                                    <p:cond delay="0"/>
-                                  </p:stCondLst>
-                                  <p:childTnLst>
-                                    <p:set>
-                                      <p:cBhvr>
-                                        <p:cTn id="44" dur="1" fill="hold">
-                                          <p:stCondLst>
-                                            <p:cond delay="0"/>
-                                          </p:stCondLst>
-                                        </p:cTn>
-                                        <p:tgtEl>
-                                          <p:spTgt spid="27"/>
-                                        </p:tgtEl>
-                                        <p:attrNameLst>
-                                          <p:attrName>style.visibility</p:attrName>
-                                        </p:attrNameLst>
-                                      </p:cBhvr>
-                                      <p:to>
-                                        <p:strVal val="visible"/>
-                                      </p:to>
-                                    </p:set>
-                                    <p:animEffect transition="in" filter="wipe(right)">
-                                      <p:cBhvr>
-                                        <p:cTn id="45" dur="500"/>
-                                        <p:tgtEl>
-                                          <p:spTgt spid="27"/>
-                                        </p:tgtEl>
-                                      </p:cBhvr>
-                                    </p:animEffect>
-                                  </p:childTnLst>
-                                </p:cTn>
-                              </p:par>
-                            </p:childTnLst>
-                          </p:cTn>
-                        </p:par>
-                        <p:par>
-                          <p:cTn id="46" fill="hold">
-                            <p:stCondLst>
-                              <p:cond delay="6000"/>
-                            </p:stCondLst>
-                            <p:childTnLst>
-                              <p:par>
-                                <p:cTn id="47" presetID="22" presetClass="entr" presetSubtype="2" fill="hold" grpId="0" nodeType="afterEffect">
-                                  <p:stCondLst>
-                                    <p:cond delay="0"/>
-                                  </p:stCondLst>
-                                  <p:childTnLst>
-                                    <p:set>
-                                      <p:cBhvr>
-                                        <p:cTn id="48" dur="1" fill="hold">
-                                          <p:stCondLst>
-                                            <p:cond delay="0"/>
-                                          </p:stCondLst>
-                                        </p:cTn>
-                                        <p:tgtEl>
-                                          <p:spTgt spid="30"/>
-                                        </p:tgtEl>
-                                        <p:attrNameLst>
-                                          <p:attrName>style.visibility</p:attrName>
-                                        </p:attrNameLst>
-                                      </p:cBhvr>
-                                      <p:to>
-                                        <p:strVal val="visible"/>
-                                      </p:to>
-                                    </p:set>
-                                    <p:animEffect transition="in" filter="wipe(right)">
-                                      <p:cBhvr>
-                                        <p:cTn id="49" dur="500"/>
                                         <p:tgtEl>
                                           <p:spTgt spid="30"/>
                                         </p:tgtEl>
@@ -29655,8 +28068,6 @@
       <p:bldP spid="3" grpId="0"/>
       <p:bldP spid="30" grpId="0"/>
       <p:bldP spid="40" grpId="0"/>
-      <p:bldP spid="41" grpId="0"/>
-      <p:bldP spid="42" grpId="0"/>
     </p:bldLst>
   </p:timing>
 </p:sld>
@@ -31058,8 +29469,8 @@
         </p:nvSpPr>
         <p:spPr>
           <a:xfrm>
-            <a:off x="5529528" y="2952949"/>
-            <a:ext cx="1031051" cy="400110"/>
+            <a:off x="5529528" y="2810336"/>
+            <a:ext cx="3522193" cy="400110"/>
           </a:xfrm>
           <a:prstGeom prst="rect">
             <a:avLst/>
@@ -31067,7 +29478,7 @@
           <a:noFill/>
         </p:spPr>
         <p:txBody>
-          <a:bodyPr wrap="none" rtlCol="0">
+          <a:bodyPr wrap="square" rtlCol="0">
             <a:spAutoFit/>
           </a:bodyPr>
           <a:lstStyle/>
@@ -31083,7 +29494,7 @@
                 <a:latin typeface="微软雅黑" panose="020B0503020204020204" pitchFamily="34" charset="-122"/>
                 <a:ea typeface="微软雅黑" panose="020B0503020204020204" pitchFamily="34" charset="-122"/>
               </a:rPr>
-              <a:t>作业一 </a:t>
+              <a:t>作业一  完成用户相关的内容</a:t>
             </a:r>
             <a:endParaRPr lang="zh-CN" altLang="en-US" sz="1265" dirty="0">
               <a:solidFill>
@@ -31106,8 +29517,8 @@
         </p:nvSpPr>
         <p:spPr>
           <a:xfrm>
-            <a:off x="5529528" y="4064810"/>
-            <a:ext cx="954107" cy="400110"/>
+            <a:off x="5529528" y="3922197"/>
+            <a:ext cx="3522193" cy="594778"/>
           </a:xfrm>
           <a:prstGeom prst="rect">
             <a:avLst/>
@@ -31115,7 +29526,7 @@
           <a:noFill/>
         </p:spPr>
         <p:txBody>
-          <a:bodyPr wrap="none" rtlCol="0">
+          <a:bodyPr wrap="square" rtlCol="0">
             <a:spAutoFit/>
           </a:bodyPr>
           <a:lstStyle/>
@@ -31131,8 +29542,20 @@
                 <a:latin typeface="微软雅黑" panose="020B0503020204020204" pitchFamily="34" charset="-122"/>
                 <a:ea typeface="微软雅黑" panose="020B0503020204020204" pitchFamily="34" charset="-122"/>
               </a:rPr>
-              <a:t>作业二</a:t>
+              <a:t>作业二  完成课程相关的作业 </a:t>
             </a:r>
+            <a:endParaRPr lang="zh-CN" altLang="en-US" sz="1265" dirty="0">
+              <a:solidFill>
+                <a:schemeClr val="tx1">
+                  <a:lumMod val="65000"/>
+                  <a:lumOff val="35000"/>
+                </a:schemeClr>
+              </a:solidFill>
+              <a:latin typeface="微软雅黑" panose="020B0503020204020204" pitchFamily="34" charset="-122"/>
+              <a:ea typeface="微软雅黑" panose="020B0503020204020204" pitchFamily="34" charset="-122"/>
+            </a:endParaRPr>
+          </a:p>
+          <a:p>
             <a:endParaRPr lang="zh-CN" altLang="en-US" sz="1265" dirty="0">
               <a:solidFill>
                 <a:schemeClr val="tx1">
@@ -31154,7 +29577,7 @@
         </p:nvCxnSpPr>
         <p:spPr>
           <a:xfrm>
-            <a:off x="5630770" y="3691412"/>
+            <a:off x="5630770" y="3548799"/>
             <a:ext cx="2510670" cy="0"/>
           </a:xfrm>
           <a:prstGeom prst="line">
@@ -31191,7 +29614,7 @@
         </p:nvCxnSpPr>
         <p:spPr>
           <a:xfrm>
-            <a:off x="5630770" y="4748086"/>
+            <a:off x="5630770" y="4605473"/>
             <a:ext cx="2510670" cy="0"/>
           </a:xfrm>
           <a:prstGeom prst="line">
@@ -31228,7 +29651,7 @@
         </p:nvGrpSpPr>
         <p:grpSpPr>
           <a:xfrm>
-            <a:off x="4407768" y="2679051"/>
+            <a:off x="4407768" y="2536438"/>
             <a:ext cx="819394" cy="947906"/>
             <a:chOff x="4231808" y="993608"/>
             <a:chExt cx="582784" cy="674186"/>
@@ -31416,7 +29839,7 @@
         </p:nvGrpSpPr>
         <p:grpSpPr>
           <a:xfrm>
-            <a:off x="4423349" y="3802295"/>
+            <a:off x="4423349" y="3659682"/>
             <a:ext cx="802447" cy="925141"/>
             <a:chOff x="4231809" y="1692397"/>
             <a:chExt cx="570731" cy="657995"/>
@@ -32757,7 +31180,7 @@
               <a:t>8</a:t>
             </a:r>
             <a:r>
-              <a:rPr lang="zh-CN" altLang="en-US" sz="1600" dirty="0">
+              <a:rPr lang="zh-CN" altLang="en-US" sz="1600">
                 <a:solidFill>
                   <a:srgbClr val="784B23"/>
                 </a:solidFill>
@@ -32767,14 +31190,14 @@
               <a:t>年</a:t>
             </a:r>
             <a:r>
-              <a:rPr lang="en-US" altLang="zh-CN" sz="1600" dirty="0">
+              <a:rPr lang="en-US" altLang="zh-CN" sz="1600">
                 <a:solidFill>
                   <a:srgbClr val="784B23"/>
                 </a:solidFill>
                 <a:latin typeface="微软雅黑" panose="020B0503020204020204" pitchFamily="34" charset="-122"/>
                 <a:ea typeface="微软雅黑" panose="020B0503020204020204" pitchFamily="34" charset="-122"/>
               </a:rPr>
-              <a:t>4</a:t>
+              <a:t>5</a:t>
             </a:r>
             <a:r>
               <a:rPr lang="zh-CN" altLang="en-US" sz="1600" dirty="0">
